--- a/design/icon.pptx
+++ b/design/icon.pptx
@@ -121,6 +121,7 @@
 <p1510:revInfo xmlns:a="http://schemas.openxmlformats.org/drawingml/2006/main" xmlns:r="http://schemas.openxmlformats.org/officeDocument/2006/relationships" xmlns:p1510="http://schemas.microsoft.com/office/powerpoint/2015/10/main">
   <p1510:revLst>
     <p1510:client id="{01777D25-AF7E-4ECC-8E4C-87BBD60AFB1C}" v="241" dt="2020-01-27T19:19:37.173"/>
+    <p1510:client id="{E3FB0A98-02C7-4990-A598-D4E3B52936AB}" v="73" dt="2020-01-27T19:52:35.307"/>
   </p1510:revLst>
 </p1510:revInfo>
 </file>
@@ -876,18 +877,145 @@
   <pc:docChgLst>
     <pc:chgData name="Cloudy Young" userId="1e81336690994330" providerId="LiveId" clId="{E3FB0A98-02C7-4990-A598-D4E3B52936AB}"/>
     <pc:docChg chg="undo custSel modSld">
-      <pc:chgData name="Cloudy Young" userId="1e81336690994330" providerId="LiveId" clId="{E3FB0A98-02C7-4990-A598-D4E3B52936AB}" dt="2020-01-27T19:26:57.448" v="12" actId="1076"/>
+      <pc:chgData name="Cloudy Young" userId="1e81336690994330" providerId="LiveId" clId="{E3FB0A98-02C7-4990-A598-D4E3B52936AB}" dt="2020-01-27T19:52:44.072" v="101" actId="14861"/>
       <pc:docMkLst>
         <pc:docMk/>
       </pc:docMkLst>
-      <pc:sldChg chg="modSp">
-        <pc:chgData name="Cloudy Young" userId="1e81336690994330" providerId="LiveId" clId="{E3FB0A98-02C7-4990-A598-D4E3B52936AB}" dt="2020-01-27T19:26:57.448" v="12" actId="1076"/>
+      <pc:sldChg chg="addSp delSp modSp setBg">
+        <pc:chgData name="Cloudy Young" userId="1e81336690994330" providerId="LiveId" clId="{E3FB0A98-02C7-4990-A598-D4E3B52936AB}" dt="2020-01-27T19:51:59.594" v="95" actId="1076"/>
+        <pc:sldMkLst>
+          <pc:docMk/>
+          <pc:sldMk cId="1839268646" sldId="257"/>
+        </pc:sldMkLst>
+        <pc:spChg chg="add del mod ord">
+          <ac:chgData name="Cloudy Young" userId="1e81336690994330" providerId="LiveId" clId="{E3FB0A98-02C7-4990-A598-D4E3B52936AB}" dt="2020-01-27T19:51:55.897" v="93" actId="164"/>
+          <ac:spMkLst>
+            <pc:docMk/>
+            <pc:sldMk cId="1839268646" sldId="257"/>
+            <ac:spMk id="2" creationId="{2D47827E-D6EE-49D6-B125-FDDD67064FB4}"/>
+          </ac:spMkLst>
+        </pc:spChg>
+        <pc:spChg chg="add mod ord">
+          <ac:chgData name="Cloudy Young" userId="1e81336690994330" providerId="LiveId" clId="{E3FB0A98-02C7-4990-A598-D4E3B52936AB}" dt="2020-01-27T19:51:55.897" v="93" actId="164"/>
+          <ac:spMkLst>
+            <pc:docMk/>
+            <pc:sldMk cId="1839268646" sldId="257"/>
+            <ac:spMk id="3" creationId="{B549D90B-40C4-4134-AD4B-F55BC5904C25}"/>
+          </ac:spMkLst>
+        </pc:spChg>
+        <pc:spChg chg="add del mod ord">
+          <ac:chgData name="Cloudy Young" userId="1e81336690994330" providerId="LiveId" clId="{E3FB0A98-02C7-4990-A598-D4E3B52936AB}" dt="2020-01-27T19:51:55.897" v="93" actId="164"/>
+          <ac:spMkLst>
+            <pc:docMk/>
+            <pc:sldMk cId="1839268646" sldId="257"/>
+            <ac:spMk id="13" creationId="{5307FB3C-4DE3-4572-9111-1FCEEC8824B5}"/>
+          </ac:spMkLst>
+        </pc:spChg>
+        <pc:spChg chg="mod topLvl">
+          <ac:chgData name="Cloudy Young" userId="1e81336690994330" providerId="LiveId" clId="{E3FB0A98-02C7-4990-A598-D4E3B52936AB}" dt="2020-01-27T19:51:55.897" v="93" actId="164"/>
+          <ac:spMkLst>
+            <pc:docMk/>
+            <pc:sldMk cId="1839268646" sldId="257"/>
+            <ac:spMk id="16" creationId="{1F5307C5-8490-40AE-ABBE-E3125EF2DF59}"/>
+          </ac:spMkLst>
+        </pc:spChg>
+        <pc:spChg chg="mod topLvl">
+          <ac:chgData name="Cloudy Young" userId="1e81336690994330" providerId="LiveId" clId="{E3FB0A98-02C7-4990-A598-D4E3B52936AB}" dt="2020-01-27T19:51:55.897" v="93" actId="164"/>
+          <ac:spMkLst>
+            <pc:docMk/>
+            <pc:sldMk cId="1839268646" sldId="257"/>
+            <ac:spMk id="17" creationId="{F431EE7B-DBC9-445F-A818-A0BBBA92FE0D}"/>
+          </ac:spMkLst>
+        </pc:spChg>
+        <pc:spChg chg="mod topLvl">
+          <ac:chgData name="Cloudy Young" userId="1e81336690994330" providerId="LiveId" clId="{E3FB0A98-02C7-4990-A598-D4E3B52936AB}" dt="2020-01-27T19:51:55.897" v="93" actId="164"/>
+          <ac:spMkLst>
+            <pc:docMk/>
+            <pc:sldMk cId="1839268646" sldId="257"/>
+            <ac:spMk id="18" creationId="{C59E4BEC-C8BD-4226-B2C6-BD3EFF2E692B}"/>
+          </ac:spMkLst>
+        </pc:spChg>
+        <pc:spChg chg="mod topLvl">
+          <ac:chgData name="Cloudy Young" userId="1e81336690994330" providerId="LiveId" clId="{E3FB0A98-02C7-4990-A598-D4E3B52936AB}" dt="2020-01-27T19:51:55.897" v="93" actId="164"/>
+          <ac:spMkLst>
+            <pc:docMk/>
+            <pc:sldMk cId="1839268646" sldId="257"/>
+            <ac:spMk id="34" creationId="{00F0E789-E74A-4A73-B6EC-65023207CBD3}"/>
+          </ac:spMkLst>
+        </pc:spChg>
+        <pc:spChg chg="mod topLvl">
+          <ac:chgData name="Cloudy Young" userId="1e81336690994330" providerId="LiveId" clId="{E3FB0A98-02C7-4990-A598-D4E3B52936AB}" dt="2020-01-27T19:51:55.897" v="93" actId="164"/>
+          <ac:spMkLst>
+            <pc:docMk/>
+            <pc:sldMk cId="1839268646" sldId="257"/>
+            <ac:spMk id="35" creationId="{33116BD7-0455-4CD2-8803-DFBFA928A582}"/>
+          </ac:spMkLst>
+        </pc:spChg>
+        <pc:grpChg chg="add mod">
+          <ac:chgData name="Cloudy Young" userId="1e81336690994330" providerId="LiveId" clId="{E3FB0A98-02C7-4990-A598-D4E3B52936AB}" dt="2020-01-27T19:51:59.594" v="95" actId="1076"/>
+          <ac:grpSpMkLst>
+            <pc:docMk/>
+            <pc:sldMk cId="1839268646" sldId="257"/>
+            <ac:grpSpMk id="4" creationId="{4D4C910B-F019-496C-BD73-51465DAA2229}"/>
+          </ac:grpSpMkLst>
+        </pc:grpChg>
+        <pc:grpChg chg="del mod topLvl">
+          <ac:chgData name="Cloudy Young" userId="1e81336690994330" providerId="LiveId" clId="{E3FB0A98-02C7-4990-A598-D4E3B52936AB}" dt="2020-01-27T19:47:04.749" v="62" actId="165"/>
+          <ac:grpSpMkLst>
+            <pc:docMk/>
+            <pc:sldMk cId="1839268646" sldId="257"/>
+            <ac:grpSpMk id="15" creationId="{3FF34F96-A7BB-456A-A860-2ECE8C6C30E1}"/>
+          </ac:grpSpMkLst>
+        </pc:grpChg>
+        <pc:grpChg chg="del mod topLvl">
+          <ac:chgData name="Cloudy Young" userId="1e81336690994330" providerId="LiveId" clId="{E3FB0A98-02C7-4990-A598-D4E3B52936AB}" dt="2020-01-27T19:47:07.654" v="63" actId="165"/>
+          <ac:grpSpMkLst>
+            <pc:docMk/>
+            <pc:sldMk cId="1839268646" sldId="257"/>
+            <ac:grpSpMk id="19" creationId="{BFA1E395-B284-4151-9463-C933EAE84A90}"/>
+          </ac:grpSpMkLst>
+        </pc:grpChg>
+        <pc:grpChg chg="del mod">
+          <ac:chgData name="Cloudy Young" userId="1e81336690994330" providerId="LiveId" clId="{E3FB0A98-02C7-4990-A598-D4E3B52936AB}" dt="2020-01-27T19:45:35.611" v="50" actId="165"/>
+          <ac:grpSpMkLst>
+            <pc:docMk/>
+            <pc:sldMk cId="1839268646" sldId="257"/>
+            <ac:grpSpMk id="37" creationId="{777A10F6-2644-4D13-9C9B-90C467FEA98D}"/>
+          </ac:grpSpMkLst>
+        </pc:grpChg>
+        <pc:cxnChg chg="del mod topLvl">
+          <ac:chgData name="Cloudy Young" userId="1e81336690994330" providerId="LiveId" clId="{E3FB0A98-02C7-4990-A598-D4E3B52936AB}" dt="2020-01-27T19:47:10.326" v="64" actId="478"/>
+          <ac:cxnSpMkLst>
+            <pc:docMk/>
+            <pc:sldMk cId="1839268646" sldId="257"/>
+            <ac:cxnSpMk id="20" creationId="{4A54075D-CE93-4139-9F4F-D56B68EE29F2}"/>
+          </ac:cxnSpMkLst>
+        </pc:cxnChg>
+        <pc:cxnChg chg="del mod topLvl">
+          <ac:chgData name="Cloudy Young" userId="1e81336690994330" providerId="LiveId" clId="{E3FB0A98-02C7-4990-A598-D4E3B52936AB}" dt="2020-01-27T19:47:10.326" v="64" actId="478"/>
+          <ac:cxnSpMkLst>
+            <pc:docMk/>
+            <pc:sldMk cId="1839268646" sldId="257"/>
+            <ac:cxnSpMk id="21" creationId="{0B224D7A-6122-4B55-AD75-2B4E799B897A}"/>
+          </ac:cxnSpMkLst>
+        </pc:cxnChg>
+      </pc:sldChg>
+      <pc:sldChg chg="addSp delSp modSp">
+        <pc:chgData name="Cloudy Young" userId="1e81336690994330" providerId="LiveId" clId="{E3FB0A98-02C7-4990-A598-D4E3B52936AB}" dt="2020-01-27T19:52:44.072" v="101" actId="14861"/>
         <pc:sldMkLst>
           <pc:docMk/>
           <pc:sldMk cId="1556307640" sldId="261"/>
         </pc:sldMkLst>
-        <pc:picChg chg="mod">
-          <ac:chgData name="Cloudy Young" userId="1e81336690994330" providerId="LiveId" clId="{E3FB0A98-02C7-4990-A598-D4E3B52936AB}" dt="2020-01-27T19:26:37.716" v="9" actId="692"/>
+        <pc:grpChg chg="mod">
+          <ac:chgData name="Cloudy Young" userId="1e81336690994330" providerId="LiveId" clId="{E3FB0A98-02C7-4990-A598-D4E3B52936AB}" dt="2020-01-27T19:52:35.306" v="100" actId="14826"/>
+          <ac:grpSpMkLst>
+            <pc:docMk/>
+            <pc:sldMk cId="1556307640" sldId="261"/>
+            <ac:grpSpMk id="8" creationId="{04913E15-4F3A-4CBD-892B-C303D8AFCDE4}"/>
+          </ac:grpSpMkLst>
+        </pc:grpChg>
+        <pc:picChg chg="add del mod">
+          <ac:chgData name="Cloudy Young" userId="1e81336690994330" providerId="LiveId" clId="{E3FB0A98-02C7-4990-A598-D4E3B52936AB}" dt="2020-01-27T19:52:26.198" v="98" actId="478"/>
           <ac:picMkLst>
             <pc:docMk/>
             <pc:sldMk cId="1556307640" sldId="261"/>
@@ -895,7 +1023,7 @@
           </ac:picMkLst>
         </pc:picChg>
         <pc:picChg chg="mod">
-          <ac:chgData name="Cloudy Young" userId="1e81336690994330" providerId="LiveId" clId="{E3FB0A98-02C7-4990-A598-D4E3B52936AB}" dt="2020-01-27T19:26:57.448" v="12" actId="1076"/>
+          <ac:chgData name="Cloudy Young" userId="1e81336690994330" providerId="LiveId" clId="{E3FB0A98-02C7-4990-A598-D4E3B52936AB}" dt="2020-01-27T19:52:44.072" v="101" actId="14861"/>
           <ac:picMkLst>
             <pc:docMk/>
             <pc:sldMk cId="1556307640" sldId="261"/>
@@ -6468,7 +6596,10 @@
     <p:bg>
       <p:bgPr>
         <a:solidFill>
-          <a:schemeClr val="bg2"/>
+          <a:schemeClr val="tx1">
+            <a:lumMod val="85000"/>
+            <a:lumOff val="15000"/>
+          </a:schemeClr>
         </a:solidFill>
         <a:effectLst/>
       </p:bgPr>
@@ -6489,10 +6620,10 @@
       </p:grpSpPr>
       <p:grpSp>
         <p:nvGrpSpPr>
-          <p:cNvPr id="37" name="Group 36">
+          <p:cNvPr id="4" name="Group 3">
             <a:extLst>
               <a:ext uri="{FF2B5EF4-FFF2-40B4-BE49-F238E27FC236}">
-                <a16:creationId xmlns:a16="http://schemas.microsoft.com/office/drawing/2014/main" id="{777A10F6-2644-4D13-9C9B-90C467FEA98D}"/>
+                <a16:creationId xmlns:a16="http://schemas.microsoft.com/office/drawing/2014/main" id="{4D4C910B-F019-496C-BD73-51465DAA2229}"/>
               </a:ext>
             </a:extLst>
           </p:cNvPr>
@@ -6501,724 +6632,658 @@
         </p:nvGrpSpPr>
         <p:grpSpPr>
           <a:xfrm>
-            <a:off x="777151" y="-1419479"/>
-            <a:ext cx="9860503" cy="8936062"/>
-            <a:chOff x="777151" y="-1419479"/>
-            <a:chExt cx="9860503" cy="8936062"/>
+            <a:off x="1968122" y="-648136"/>
+            <a:ext cx="8847515" cy="8018044"/>
+            <a:chOff x="2882523" y="516792"/>
+            <a:chExt cx="6426954" cy="5824415"/>
           </a:xfrm>
         </p:grpSpPr>
-        <p:grpSp>
-          <p:nvGrpSpPr>
-            <p:cNvPr id="15" name="Group 14">
+        <p:sp>
+          <p:nvSpPr>
+            <p:cNvPr id="18" name="Graphic 7">
               <a:extLst>
                 <a:ext uri="{FF2B5EF4-FFF2-40B4-BE49-F238E27FC236}">
-                  <a16:creationId xmlns:a16="http://schemas.microsoft.com/office/drawing/2014/main" id="{3FF34F96-A7BB-456A-A860-2ECE8C6C30E1}"/>
+                  <a16:creationId xmlns:a16="http://schemas.microsoft.com/office/drawing/2014/main" id="{C59E4BEC-C8BD-4226-B2C6-BD3EFF2E692B}"/>
                 </a:ext>
               </a:extLst>
             </p:cNvPr>
-            <p:cNvGrpSpPr/>
+            <p:cNvSpPr/>
             <p:nvPr/>
-          </p:nvGrpSpPr>
-          <p:grpSpPr>
+          </p:nvSpPr>
+          <p:spPr>
             <a:xfrm>
-              <a:off x="1853567" y="-1419479"/>
-              <a:ext cx="7719225" cy="8936062"/>
-              <a:chOff x="3194615" y="1617876"/>
-              <a:chExt cx="2724150" cy="3153578"/>
+              <a:off x="3584118" y="516792"/>
+              <a:ext cx="5031295" cy="5824415"/>
             </a:xfrm>
-          </p:grpSpPr>
-          <p:sp>
-            <p:nvSpPr>
-              <p:cNvPr id="18" name="Graphic 7">
-                <a:extLst>
-                  <a:ext uri="{FF2B5EF4-FFF2-40B4-BE49-F238E27FC236}">
-                    <a16:creationId xmlns:a16="http://schemas.microsoft.com/office/drawing/2014/main" id="{C59E4BEC-C8BD-4226-B2C6-BD3EFF2E692B}"/>
-                  </a:ext>
-                </a:extLst>
-              </p:cNvPr>
-              <p:cNvSpPr/>
-              <p:nvPr/>
-            </p:nvSpPr>
-            <p:spPr>
-              <a:xfrm>
-                <a:off x="3194615" y="1617876"/>
-                <a:ext cx="2724150" cy="3153578"/>
-              </a:xfrm>
-              <a:custGeom>
-                <a:avLst/>
-                <a:gdLst>
-                  <a:gd name="connsiteX0" fmla="*/ 1362075 w 2724150"/>
-                  <a:gd name="connsiteY0" fmla="*/ 0 h 3162300"/>
-                  <a:gd name="connsiteX1" fmla="*/ 2724150 w 2724150"/>
-                  <a:gd name="connsiteY1" fmla="*/ 681038 h 3162300"/>
-                  <a:gd name="connsiteX2" fmla="*/ 2724150 w 2724150"/>
-                  <a:gd name="connsiteY2" fmla="*/ 2481263 h 3162300"/>
-                  <a:gd name="connsiteX3" fmla="*/ 1362075 w 2724150"/>
-                  <a:gd name="connsiteY3" fmla="*/ 3162300 h 3162300"/>
-                  <a:gd name="connsiteX4" fmla="*/ 0 w 2724150"/>
-                  <a:gd name="connsiteY4" fmla="*/ 2481263 h 3162300"/>
-                  <a:gd name="connsiteX5" fmla="*/ 0 w 2724150"/>
-                  <a:gd name="connsiteY5" fmla="*/ 681038 h 3162300"/>
-                  <a:gd name="connsiteX0" fmla="*/ 1362075 w 2724150"/>
-                  <a:gd name="connsiteY0" fmla="*/ 0 h 3162300"/>
-                  <a:gd name="connsiteX1" fmla="*/ 2724150 w 2724150"/>
-                  <a:gd name="connsiteY1" fmla="*/ 681038 h 3162300"/>
-                  <a:gd name="connsiteX2" fmla="*/ 2724000 w 2724150"/>
-                  <a:gd name="connsiteY2" fmla="*/ 1082375 h 3162300"/>
-                  <a:gd name="connsiteX3" fmla="*/ 2724150 w 2724150"/>
-                  <a:gd name="connsiteY3" fmla="*/ 2481263 h 3162300"/>
-                  <a:gd name="connsiteX4" fmla="*/ 1362075 w 2724150"/>
-                  <a:gd name="connsiteY4" fmla="*/ 3162300 h 3162300"/>
-                  <a:gd name="connsiteX5" fmla="*/ 0 w 2724150"/>
-                  <a:gd name="connsiteY5" fmla="*/ 2481263 h 3162300"/>
-                  <a:gd name="connsiteX6" fmla="*/ 0 w 2724150"/>
-                  <a:gd name="connsiteY6" fmla="*/ 681038 h 3162300"/>
-                  <a:gd name="connsiteX7" fmla="*/ 1362075 w 2724150"/>
-                  <a:gd name="connsiteY7" fmla="*/ 0 h 3162300"/>
-                  <a:gd name="connsiteX0" fmla="*/ 1362075 w 2724150"/>
-                  <a:gd name="connsiteY0" fmla="*/ 0 h 3162300"/>
-                  <a:gd name="connsiteX1" fmla="*/ 2724150 w 2724150"/>
-                  <a:gd name="connsiteY1" fmla="*/ 681038 h 3162300"/>
-                  <a:gd name="connsiteX2" fmla="*/ 2724000 w 2724150"/>
-                  <a:gd name="connsiteY2" fmla="*/ 1082375 h 3162300"/>
-                  <a:gd name="connsiteX3" fmla="*/ 2721093 w 2724150"/>
-                  <a:gd name="connsiteY3" fmla="*/ 1416700 h 3162300"/>
-                  <a:gd name="connsiteX4" fmla="*/ 2724150 w 2724150"/>
-                  <a:gd name="connsiteY4" fmla="*/ 2481263 h 3162300"/>
-                  <a:gd name="connsiteX5" fmla="*/ 1362075 w 2724150"/>
-                  <a:gd name="connsiteY5" fmla="*/ 3162300 h 3162300"/>
-                  <a:gd name="connsiteX6" fmla="*/ 0 w 2724150"/>
-                  <a:gd name="connsiteY6" fmla="*/ 2481263 h 3162300"/>
-                  <a:gd name="connsiteX7" fmla="*/ 0 w 2724150"/>
-                  <a:gd name="connsiteY7" fmla="*/ 681038 h 3162300"/>
-                  <a:gd name="connsiteX8" fmla="*/ 1362075 w 2724150"/>
-                  <a:gd name="connsiteY8" fmla="*/ 0 h 3162300"/>
-                  <a:gd name="connsiteX0" fmla="*/ 1362075 w 2724150"/>
-                  <a:gd name="connsiteY0" fmla="*/ 0 h 3162300"/>
-                  <a:gd name="connsiteX1" fmla="*/ 2724150 w 2724150"/>
-                  <a:gd name="connsiteY1" fmla="*/ 681038 h 3162300"/>
-                  <a:gd name="connsiteX2" fmla="*/ 2724000 w 2724150"/>
-                  <a:gd name="connsiteY2" fmla="*/ 1082375 h 3162300"/>
-                  <a:gd name="connsiteX3" fmla="*/ 2724000 w 2724150"/>
-                  <a:gd name="connsiteY3" fmla="*/ 1227733 h 3162300"/>
-                  <a:gd name="connsiteX4" fmla="*/ 2721093 w 2724150"/>
-                  <a:gd name="connsiteY4" fmla="*/ 1416700 h 3162300"/>
-                  <a:gd name="connsiteX5" fmla="*/ 2724150 w 2724150"/>
-                  <a:gd name="connsiteY5" fmla="*/ 2481263 h 3162300"/>
-                  <a:gd name="connsiteX6" fmla="*/ 1362075 w 2724150"/>
-                  <a:gd name="connsiteY6" fmla="*/ 3162300 h 3162300"/>
-                  <a:gd name="connsiteX7" fmla="*/ 0 w 2724150"/>
-                  <a:gd name="connsiteY7" fmla="*/ 2481263 h 3162300"/>
-                  <a:gd name="connsiteX8" fmla="*/ 0 w 2724150"/>
-                  <a:gd name="connsiteY8" fmla="*/ 681038 h 3162300"/>
-                  <a:gd name="connsiteX9" fmla="*/ 1362075 w 2724150"/>
-                  <a:gd name="connsiteY9" fmla="*/ 0 h 3162300"/>
-                  <a:gd name="connsiteX0" fmla="*/ 1362075 w 2724150"/>
-                  <a:gd name="connsiteY0" fmla="*/ 0 h 3162300"/>
-                  <a:gd name="connsiteX1" fmla="*/ 2724150 w 2724150"/>
-                  <a:gd name="connsiteY1" fmla="*/ 681038 h 3162300"/>
-                  <a:gd name="connsiteX2" fmla="*/ 2724000 w 2724150"/>
-                  <a:gd name="connsiteY2" fmla="*/ 1082375 h 3162300"/>
-                  <a:gd name="connsiteX3" fmla="*/ 2375139 w 2724150"/>
-                  <a:gd name="connsiteY3" fmla="*/ 1250991 h 3162300"/>
-                  <a:gd name="connsiteX4" fmla="*/ 2721093 w 2724150"/>
-                  <a:gd name="connsiteY4" fmla="*/ 1416700 h 3162300"/>
-                  <a:gd name="connsiteX5" fmla="*/ 2724150 w 2724150"/>
-                  <a:gd name="connsiteY5" fmla="*/ 2481263 h 3162300"/>
-                  <a:gd name="connsiteX6" fmla="*/ 1362075 w 2724150"/>
-                  <a:gd name="connsiteY6" fmla="*/ 3162300 h 3162300"/>
-                  <a:gd name="connsiteX7" fmla="*/ 0 w 2724150"/>
-                  <a:gd name="connsiteY7" fmla="*/ 2481263 h 3162300"/>
-                  <a:gd name="connsiteX8" fmla="*/ 0 w 2724150"/>
-                  <a:gd name="connsiteY8" fmla="*/ 681038 h 3162300"/>
-                  <a:gd name="connsiteX9" fmla="*/ 1362075 w 2724150"/>
-                  <a:gd name="connsiteY9" fmla="*/ 0 h 3162300"/>
-                  <a:gd name="connsiteX0" fmla="*/ 1362075 w 2724150"/>
-                  <a:gd name="connsiteY0" fmla="*/ 0 h 3162300"/>
-                  <a:gd name="connsiteX1" fmla="*/ 2724150 w 2724150"/>
-                  <a:gd name="connsiteY1" fmla="*/ 681038 h 3162300"/>
-                  <a:gd name="connsiteX2" fmla="*/ 2724000 w 2724150"/>
-                  <a:gd name="connsiteY2" fmla="*/ 1082375 h 3162300"/>
-                  <a:gd name="connsiteX3" fmla="*/ 2375139 w 2724150"/>
-                  <a:gd name="connsiteY3" fmla="*/ 1250991 h 3162300"/>
-                  <a:gd name="connsiteX4" fmla="*/ 2721093 w 2724150"/>
-                  <a:gd name="connsiteY4" fmla="*/ 1416700 h 3162300"/>
-                  <a:gd name="connsiteX5" fmla="*/ 2724150 w 2724150"/>
-                  <a:gd name="connsiteY5" fmla="*/ 2481263 h 3162300"/>
-                  <a:gd name="connsiteX6" fmla="*/ 1362075 w 2724150"/>
-                  <a:gd name="connsiteY6" fmla="*/ 3162300 h 3162300"/>
-                  <a:gd name="connsiteX7" fmla="*/ 292107 w 2724150"/>
-                  <a:gd name="connsiteY7" fmla="*/ 2628718 h 3162300"/>
-                  <a:gd name="connsiteX8" fmla="*/ 0 w 2724150"/>
-                  <a:gd name="connsiteY8" fmla="*/ 2481263 h 3162300"/>
-                  <a:gd name="connsiteX9" fmla="*/ 0 w 2724150"/>
-                  <a:gd name="connsiteY9" fmla="*/ 681038 h 3162300"/>
-                  <a:gd name="connsiteX10" fmla="*/ 1362075 w 2724150"/>
-                  <a:gd name="connsiteY10" fmla="*/ 0 h 3162300"/>
-                  <a:gd name="connsiteX0" fmla="*/ 1362075 w 2724150"/>
-                  <a:gd name="connsiteY0" fmla="*/ 0 h 3162300"/>
-                  <a:gd name="connsiteX1" fmla="*/ 2724150 w 2724150"/>
-                  <a:gd name="connsiteY1" fmla="*/ 681038 h 3162300"/>
-                  <a:gd name="connsiteX2" fmla="*/ 2724000 w 2724150"/>
-                  <a:gd name="connsiteY2" fmla="*/ 1082375 h 3162300"/>
-                  <a:gd name="connsiteX3" fmla="*/ 2375139 w 2724150"/>
-                  <a:gd name="connsiteY3" fmla="*/ 1250991 h 3162300"/>
-                  <a:gd name="connsiteX4" fmla="*/ 2721093 w 2724150"/>
-                  <a:gd name="connsiteY4" fmla="*/ 1416700 h 3162300"/>
-                  <a:gd name="connsiteX5" fmla="*/ 2724150 w 2724150"/>
-                  <a:gd name="connsiteY5" fmla="*/ 2481263 h 3162300"/>
-                  <a:gd name="connsiteX6" fmla="*/ 1362075 w 2724150"/>
-                  <a:gd name="connsiteY6" fmla="*/ 3162300 h 3162300"/>
-                  <a:gd name="connsiteX7" fmla="*/ 539170 w 2724150"/>
-                  <a:gd name="connsiteY7" fmla="*/ 2751410 h 3162300"/>
-                  <a:gd name="connsiteX8" fmla="*/ 292107 w 2724150"/>
-                  <a:gd name="connsiteY8" fmla="*/ 2628718 h 3162300"/>
-                  <a:gd name="connsiteX9" fmla="*/ 0 w 2724150"/>
-                  <a:gd name="connsiteY9" fmla="*/ 2481263 h 3162300"/>
-                  <a:gd name="connsiteX10" fmla="*/ 0 w 2724150"/>
-                  <a:gd name="connsiteY10" fmla="*/ 681038 h 3162300"/>
-                  <a:gd name="connsiteX11" fmla="*/ 1362075 w 2724150"/>
-                  <a:gd name="connsiteY11" fmla="*/ 0 h 3162300"/>
-                  <a:gd name="connsiteX0" fmla="*/ 1362075 w 2724150"/>
-                  <a:gd name="connsiteY0" fmla="*/ 0 h 3162300"/>
-                  <a:gd name="connsiteX1" fmla="*/ 2724150 w 2724150"/>
-                  <a:gd name="connsiteY1" fmla="*/ 681038 h 3162300"/>
-                  <a:gd name="connsiteX2" fmla="*/ 2724000 w 2724150"/>
-                  <a:gd name="connsiteY2" fmla="*/ 1082375 h 3162300"/>
-                  <a:gd name="connsiteX3" fmla="*/ 2375139 w 2724150"/>
-                  <a:gd name="connsiteY3" fmla="*/ 1250991 h 3162300"/>
-                  <a:gd name="connsiteX4" fmla="*/ 2721093 w 2724150"/>
-                  <a:gd name="connsiteY4" fmla="*/ 1416700 h 3162300"/>
-                  <a:gd name="connsiteX5" fmla="*/ 2724150 w 2724150"/>
-                  <a:gd name="connsiteY5" fmla="*/ 2481263 h 3162300"/>
-                  <a:gd name="connsiteX6" fmla="*/ 1362075 w 2724150"/>
-                  <a:gd name="connsiteY6" fmla="*/ 3162300 h 3162300"/>
-                  <a:gd name="connsiteX7" fmla="*/ 539170 w 2724150"/>
-                  <a:gd name="connsiteY7" fmla="*/ 2751410 h 3162300"/>
-                  <a:gd name="connsiteX8" fmla="*/ 392949 w 2724150"/>
-                  <a:gd name="connsiteY8" fmla="*/ 2679139 h 3162300"/>
-                  <a:gd name="connsiteX9" fmla="*/ 292107 w 2724150"/>
-                  <a:gd name="connsiteY9" fmla="*/ 2628718 h 3162300"/>
-                  <a:gd name="connsiteX10" fmla="*/ 0 w 2724150"/>
-                  <a:gd name="connsiteY10" fmla="*/ 2481263 h 3162300"/>
-                  <a:gd name="connsiteX11" fmla="*/ 0 w 2724150"/>
-                  <a:gd name="connsiteY11" fmla="*/ 681038 h 3162300"/>
-                  <a:gd name="connsiteX12" fmla="*/ 1362075 w 2724150"/>
-                  <a:gd name="connsiteY12" fmla="*/ 0 h 3162300"/>
-                  <a:gd name="connsiteX0" fmla="*/ 1362075 w 2724150"/>
-                  <a:gd name="connsiteY0" fmla="*/ 0 h 3162300"/>
-                  <a:gd name="connsiteX1" fmla="*/ 2724150 w 2724150"/>
-                  <a:gd name="connsiteY1" fmla="*/ 681038 h 3162300"/>
-                  <a:gd name="connsiteX2" fmla="*/ 2724000 w 2724150"/>
-                  <a:gd name="connsiteY2" fmla="*/ 1082375 h 3162300"/>
-                  <a:gd name="connsiteX3" fmla="*/ 2375139 w 2724150"/>
-                  <a:gd name="connsiteY3" fmla="*/ 1250991 h 3162300"/>
-                  <a:gd name="connsiteX4" fmla="*/ 2721093 w 2724150"/>
-                  <a:gd name="connsiteY4" fmla="*/ 1416700 h 3162300"/>
-                  <a:gd name="connsiteX5" fmla="*/ 2724150 w 2724150"/>
-                  <a:gd name="connsiteY5" fmla="*/ 2481263 h 3162300"/>
-                  <a:gd name="connsiteX6" fmla="*/ 1362075 w 2724150"/>
-                  <a:gd name="connsiteY6" fmla="*/ 3162300 h 3162300"/>
-                  <a:gd name="connsiteX7" fmla="*/ 539170 w 2724150"/>
-                  <a:gd name="connsiteY7" fmla="*/ 2751410 h 3162300"/>
-                  <a:gd name="connsiteX8" fmla="*/ 537490 w 2724150"/>
-                  <a:gd name="connsiteY8" fmla="*/ 2512749 h 3162300"/>
-                  <a:gd name="connsiteX9" fmla="*/ 292107 w 2724150"/>
-                  <a:gd name="connsiteY9" fmla="*/ 2628718 h 3162300"/>
-                  <a:gd name="connsiteX10" fmla="*/ 0 w 2724150"/>
-                  <a:gd name="connsiteY10" fmla="*/ 2481263 h 3162300"/>
-                  <a:gd name="connsiteX11" fmla="*/ 0 w 2724150"/>
-                  <a:gd name="connsiteY11" fmla="*/ 681038 h 3162300"/>
-                  <a:gd name="connsiteX12" fmla="*/ 1362075 w 2724150"/>
-                  <a:gd name="connsiteY12" fmla="*/ 0 h 3162300"/>
-                  <a:gd name="connsiteX0" fmla="*/ 1362075 w 2724150"/>
-                  <a:gd name="connsiteY0" fmla="*/ 0 h 3162300"/>
-                  <a:gd name="connsiteX1" fmla="*/ 2724150 w 2724150"/>
-                  <a:gd name="connsiteY1" fmla="*/ 681038 h 3162300"/>
-                  <a:gd name="connsiteX2" fmla="*/ 2724000 w 2724150"/>
-                  <a:gd name="connsiteY2" fmla="*/ 1082375 h 3162300"/>
-                  <a:gd name="connsiteX3" fmla="*/ 2375139 w 2724150"/>
-                  <a:gd name="connsiteY3" fmla="*/ 1250991 h 3162300"/>
-                  <a:gd name="connsiteX4" fmla="*/ 2721093 w 2724150"/>
-                  <a:gd name="connsiteY4" fmla="*/ 1416700 h 3162300"/>
-                  <a:gd name="connsiteX5" fmla="*/ 2724150 w 2724150"/>
-                  <a:gd name="connsiteY5" fmla="*/ 2481263 h 3162300"/>
-                  <a:gd name="connsiteX6" fmla="*/ 1362075 w 2724150"/>
-                  <a:gd name="connsiteY6" fmla="*/ 3162300 h 3162300"/>
-                  <a:gd name="connsiteX7" fmla="*/ 833908 w 2724150"/>
-                  <a:gd name="connsiteY7" fmla="*/ 2899616 h 3162300"/>
-                  <a:gd name="connsiteX8" fmla="*/ 539170 w 2724150"/>
-                  <a:gd name="connsiteY8" fmla="*/ 2751410 h 3162300"/>
-                  <a:gd name="connsiteX9" fmla="*/ 537490 w 2724150"/>
-                  <a:gd name="connsiteY9" fmla="*/ 2512749 h 3162300"/>
-                  <a:gd name="connsiteX10" fmla="*/ 292107 w 2724150"/>
-                  <a:gd name="connsiteY10" fmla="*/ 2628718 h 3162300"/>
-                  <a:gd name="connsiteX11" fmla="*/ 0 w 2724150"/>
-                  <a:gd name="connsiteY11" fmla="*/ 2481263 h 3162300"/>
-                  <a:gd name="connsiteX12" fmla="*/ 0 w 2724150"/>
-                  <a:gd name="connsiteY12" fmla="*/ 681038 h 3162300"/>
-                  <a:gd name="connsiteX13" fmla="*/ 1362075 w 2724150"/>
-                  <a:gd name="connsiteY13" fmla="*/ 0 h 3162300"/>
-                  <a:gd name="connsiteX0" fmla="*/ 1362075 w 2724150"/>
-                  <a:gd name="connsiteY0" fmla="*/ 0 h 3162300"/>
-                  <a:gd name="connsiteX1" fmla="*/ 2724150 w 2724150"/>
-                  <a:gd name="connsiteY1" fmla="*/ 681038 h 3162300"/>
-                  <a:gd name="connsiteX2" fmla="*/ 2724000 w 2724150"/>
-                  <a:gd name="connsiteY2" fmla="*/ 1082375 h 3162300"/>
-                  <a:gd name="connsiteX3" fmla="*/ 2375139 w 2724150"/>
-                  <a:gd name="connsiteY3" fmla="*/ 1250991 h 3162300"/>
-                  <a:gd name="connsiteX4" fmla="*/ 2721093 w 2724150"/>
-                  <a:gd name="connsiteY4" fmla="*/ 1416700 h 3162300"/>
-                  <a:gd name="connsiteX5" fmla="*/ 2724150 w 2724150"/>
-                  <a:gd name="connsiteY5" fmla="*/ 2481263 h 3162300"/>
-                  <a:gd name="connsiteX6" fmla="*/ 1362075 w 2724150"/>
-                  <a:gd name="connsiteY6" fmla="*/ 3162300 h 3162300"/>
-                  <a:gd name="connsiteX7" fmla="*/ 1078084 w 2724150"/>
-                  <a:gd name="connsiteY7" fmla="*/ 3019310 h 3162300"/>
-                  <a:gd name="connsiteX8" fmla="*/ 833908 w 2724150"/>
-                  <a:gd name="connsiteY8" fmla="*/ 2899616 h 3162300"/>
-                  <a:gd name="connsiteX9" fmla="*/ 539170 w 2724150"/>
-                  <a:gd name="connsiteY9" fmla="*/ 2751410 h 3162300"/>
-                  <a:gd name="connsiteX10" fmla="*/ 537490 w 2724150"/>
-                  <a:gd name="connsiteY10" fmla="*/ 2512749 h 3162300"/>
-                  <a:gd name="connsiteX11" fmla="*/ 292107 w 2724150"/>
-                  <a:gd name="connsiteY11" fmla="*/ 2628718 h 3162300"/>
-                  <a:gd name="connsiteX12" fmla="*/ 0 w 2724150"/>
-                  <a:gd name="connsiteY12" fmla="*/ 2481263 h 3162300"/>
-                  <a:gd name="connsiteX13" fmla="*/ 0 w 2724150"/>
-                  <a:gd name="connsiteY13" fmla="*/ 681038 h 3162300"/>
-                  <a:gd name="connsiteX14" fmla="*/ 1362075 w 2724150"/>
-                  <a:gd name="connsiteY14" fmla="*/ 0 h 3162300"/>
-                  <a:gd name="connsiteX0" fmla="*/ 1362075 w 2724150"/>
-                  <a:gd name="connsiteY0" fmla="*/ 0 h 3162300"/>
-                  <a:gd name="connsiteX1" fmla="*/ 2724150 w 2724150"/>
-                  <a:gd name="connsiteY1" fmla="*/ 681038 h 3162300"/>
-                  <a:gd name="connsiteX2" fmla="*/ 2724000 w 2724150"/>
-                  <a:gd name="connsiteY2" fmla="*/ 1082375 h 3162300"/>
-                  <a:gd name="connsiteX3" fmla="*/ 2375139 w 2724150"/>
-                  <a:gd name="connsiteY3" fmla="*/ 1250991 h 3162300"/>
-                  <a:gd name="connsiteX4" fmla="*/ 2721093 w 2724150"/>
-                  <a:gd name="connsiteY4" fmla="*/ 1416700 h 3162300"/>
-                  <a:gd name="connsiteX5" fmla="*/ 2724150 w 2724150"/>
-                  <a:gd name="connsiteY5" fmla="*/ 2481263 h 3162300"/>
-                  <a:gd name="connsiteX6" fmla="*/ 1362075 w 2724150"/>
-                  <a:gd name="connsiteY6" fmla="*/ 3162300 h 3162300"/>
-                  <a:gd name="connsiteX7" fmla="*/ 1078084 w 2724150"/>
-                  <a:gd name="connsiteY7" fmla="*/ 3019310 h 3162300"/>
-                  <a:gd name="connsiteX8" fmla="*/ 949772 w 2724150"/>
-                  <a:gd name="connsiteY8" fmla="*/ 2954197 h 3162300"/>
-                  <a:gd name="connsiteX9" fmla="*/ 833908 w 2724150"/>
-                  <a:gd name="connsiteY9" fmla="*/ 2899616 h 3162300"/>
-                  <a:gd name="connsiteX10" fmla="*/ 539170 w 2724150"/>
-                  <a:gd name="connsiteY10" fmla="*/ 2751410 h 3162300"/>
-                  <a:gd name="connsiteX11" fmla="*/ 537490 w 2724150"/>
-                  <a:gd name="connsiteY11" fmla="*/ 2512749 h 3162300"/>
-                  <a:gd name="connsiteX12" fmla="*/ 292107 w 2724150"/>
-                  <a:gd name="connsiteY12" fmla="*/ 2628718 h 3162300"/>
-                  <a:gd name="connsiteX13" fmla="*/ 0 w 2724150"/>
-                  <a:gd name="connsiteY13" fmla="*/ 2481263 h 3162300"/>
-                  <a:gd name="connsiteX14" fmla="*/ 0 w 2724150"/>
-                  <a:gd name="connsiteY14" fmla="*/ 681038 h 3162300"/>
-                  <a:gd name="connsiteX15" fmla="*/ 1362075 w 2724150"/>
-                  <a:gd name="connsiteY15" fmla="*/ 0 h 3162300"/>
-                  <a:gd name="connsiteX0" fmla="*/ 1362075 w 2724150"/>
-                  <a:gd name="connsiteY0" fmla="*/ 0 h 3162300"/>
-                  <a:gd name="connsiteX1" fmla="*/ 2724150 w 2724150"/>
-                  <a:gd name="connsiteY1" fmla="*/ 681038 h 3162300"/>
-                  <a:gd name="connsiteX2" fmla="*/ 2724000 w 2724150"/>
-                  <a:gd name="connsiteY2" fmla="*/ 1082375 h 3162300"/>
-                  <a:gd name="connsiteX3" fmla="*/ 2375139 w 2724150"/>
-                  <a:gd name="connsiteY3" fmla="*/ 1250991 h 3162300"/>
-                  <a:gd name="connsiteX4" fmla="*/ 2721093 w 2724150"/>
-                  <a:gd name="connsiteY4" fmla="*/ 1416700 h 3162300"/>
-                  <a:gd name="connsiteX5" fmla="*/ 2724150 w 2724150"/>
-                  <a:gd name="connsiteY5" fmla="*/ 2481263 h 3162300"/>
-                  <a:gd name="connsiteX6" fmla="*/ 1362075 w 2724150"/>
-                  <a:gd name="connsiteY6" fmla="*/ 3162300 h 3162300"/>
-                  <a:gd name="connsiteX7" fmla="*/ 1078084 w 2724150"/>
-                  <a:gd name="connsiteY7" fmla="*/ 3019310 h 3162300"/>
-                  <a:gd name="connsiteX8" fmla="*/ 1076170 w 2724150"/>
-                  <a:gd name="connsiteY8" fmla="*/ 2776092 h 3162300"/>
-                  <a:gd name="connsiteX9" fmla="*/ 833908 w 2724150"/>
-                  <a:gd name="connsiteY9" fmla="*/ 2899616 h 3162300"/>
-                  <a:gd name="connsiteX10" fmla="*/ 539170 w 2724150"/>
-                  <a:gd name="connsiteY10" fmla="*/ 2751410 h 3162300"/>
-                  <a:gd name="connsiteX11" fmla="*/ 537490 w 2724150"/>
-                  <a:gd name="connsiteY11" fmla="*/ 2512749 h 3162300"/>
-                  <a:gd name="connsiteX12" fmla="*/ 292107 w 2724150"/>
-                  <a:gd name="connsiteY12" fmla="*/ 2628718 h 3162300"/>
-                  <a:gd name="connsiteX13" fmla="*/ 0 w 2724150"/>
-                  <a:gd name="connsiteY13" fmla="*/ 2481263 h 3162300"/>
-                  <a:gd name="connsiteX14" fmla="*/ 0 w 2724150"/>
-                  <a:gd name="connsiteY14" fmla="*/ 681038 h 3162300"/>
-                  <a:gd name="connsiteX15" fmla="*/ 1362075 w 2724150"/>
-                  <a:gd name="connsiteY15" fmla="*/ 0 h 3162300"/>
-                  <a:gd name="connsiteX0" fmla="*/ 1362075 w 2724150"/>
-                  <a:gd name="connsiteY0" fmla="*/ 0 h 3162300"/>
-                  <a:gd name="connsiteX1" fmla="*/ 2724150 w 2724150"/>
-                  <a:gd name="connsiteY1" fmla="*/ 681038 h 3162300"/>
-                  <a:gd name="connsiteX2" fmla="*/ 2722044 w 2724150"/>
-                  <a:gd name="connsiteY2" fmla="*/ 1080419 h 3162300"/>
-                  <a:gd name="connsiteX3" fmla="*/ 2375139 w 2724150"/>
-                  <a:gd name="connsiteY3" fmla="*/ 1250991 h 3162300"/>
-                  <a:gd name="connsiteX4" fmla="*/ 2721093 w 2724150"/>
-                  <a:gd name="connsiteY4" fmla="*/ 1416700 h 3162300"/>
-                  <a:gd name="connsiteX5" fmla="*/ 2724150 w 2724150"/>
-                  <a:gd name="connsiteY5" fmla="*/ 2481263 h 3162300"/>
-                  <a:gd name="connsiteX6" fmla="*/ 1362075 w 2724150"/>
-                  <a:gd name="connsiteY6" fmla="*/ 3162300 h 3162300"/>
-                  <a:gd name="connsiteX7" fmla="*/ 1078084 w 2724150"/>
-                  <a:gd name="connsiteY7" fmla="*/ 3019310 h 3162300"/>
-                  <a:gd name="connsiteX8" fmla="*/ 1076170 w 2724150"/>
-                  <a:gd name="connsiteY8" fmla="*/ 2776092 h 3162300"/>
-                  <a:gd name="connsiteX9" fmla="*/ 833908 w 2724150"/>
-                  <a:gd name="connsiteY9" fmla="*/ 2899616 h 3162300"/>
-                  <a:gd name="connsiteX10" fmla="*/ 539170 w 2724150"/>
-                  <a:gd name="connsiteY10" fmla="*/ 2751410 h 3162300"/>
-                  <a:gd name="connsiteX11" fmla="*/ 537490 w 2724150"/>
-                  <a:gd name="connsiteY11" fmla="*/ 2512749 h 3162300"/>
-                  <a:gd name="connsiteX12" fmla="*/ 292107 w 2724150"/>
-                  <a:gd name="connsiteY12" fmla="*/ 2628718 h 3162300"/>
-                  <a:gd name="connsiteX13" fmla="*/ 0 w 2724150"/>
-                  <a:gd name="connsiteY13" fmla="*/ 2481263 h 3162300"/>
-                  <a:gd name="connsiteX14" fmla="*/ 0 w 2724150"/>
-                  <a:gd name="connsiteY14" fmla="*/ 681038 h 3162300"/>
-                  <a:gd name="connsiteX15" fmla="*/ 1362075 w 2724150"/>
-                  <a:gd name="connsiteY15" fmla="*/ 0 h 3162300"/>
-                  <a:gd name="connsiteX0" fmla="*/ 1362075 w 2724150"/>
-                  <a:gd name="connsiteY0" fmla="*/ 0 h 3162300"/>
-                  <a:gd name="connsiteX1" fmla="*/ 2724150 w 2724150"/>
-                  <a:gd name="connsiteY1" fmla="*/ 681038 h 3162300"/>
-                  <a:gd name="connsiteX2" fmla="*/ 2722044 w 2724150"/>
-                  <a:gd name="connsiteY2" fmla="*/ 1080419 h 3162300"/>
-                  <a:gd name="connsiteX3" fmla="*/ 2375139 w 2724150"/>
-                  <a:gd name="connsiteY3" fmla="*/ 1250991 h 3162300"/>
-                  <a:gd name="connsiteX4" fmla="*/ 2721093 w 2724150"/>
-                  <a:gd name="connsiteY4" fmla="*/ 1416700 h 3162300"/>
-                  <a:gd name="connsiteX5" fmla="*/ 2724150 w 2724150"/>
-                  <a:gd name="connsiteY5" fmla="*/ 2481263 h 3162300"/>
-                  <a:gd name="connsiteX6" fmla="*/ 1362075 w 2724150"/>
-                  <a:gd name="connsiteY6" fmla="*/ 3162300 h 3162300"/>
-                  <a:gd name="connsiteX7" fmla="*/ 1078084 w 2724150"/>
-                  <a:gd name="connsiteY7" fmla="*/ 3019310 h 3162300"/>
-                  <a:gd name="connsiteX8" fmla="*/ 1080866 w 2724150"/>
-                  <a:gd name="connsiteY8" fmla="*/ 2774079 h 3162300"/>
-                  <a:gd name="connsiteX9" fmla="*/ 833908 w 2724150"/>
-                  <a:gd name="connsiteY9" fmla="*/ 2899616 h 3162300"/>
-                  <a:gd name="connsiteX10" fmla="*/ 539170 w 2724150"/>
-                  <a:gd name="connsiteY10" fmla="*/ 2751410 h 3162300"/>
-                  <a:gd name="connsiteX11" fmla="*/ 537490 w 2724150"/>
-                  <a:gd name="connsiteY11" fmla="*/ 2512749 h 3162300"/>
-                  <a:gd name="connsiteX12" fmla="*/ 292107 w 2724150"/>
-                  <a:gd name="connsiteY12" fmla="*/ 2628718 h 3162300"/>
-                  <a:gd name="connsiteX13" fmla="*/ 0 w 2724150"/>
-                  <a:gd name="connsiteY13" fmla="*/ 2481263 h 3162300"/>
-                  <a:gd name="connsiteX14" fmla="*/ 0 w 2724150"/>
-                  <a:gd name="connsiteY14" fmla="*/ 681038 h 3162300"/>
-                  <a:gd name="connsiteX15" fmla="*/ 1362075 w 2724150"/>
-                  <a:gd name="connsiteY15" fmla="*/ 0 h 3162300"/>
-                  <a:gd name="connsiteX0" fmla="*/ 1362075 w 2724150"/>
-                  <a:gd name="connsiteY0" fmla="*/ 0 h 3158945"/>
-                  <a:gd name="connsiteX1" fmla="*/ 2724150 w 2724150"/>
-                  <a:gd name="connsiteY1" fmla="*/ 681038 h 3158945"/>
-                  <a:gd name="connsiteX2" fmla="*/ 2722044 w 2724150"/>
-                  <a:gd name="connsiteY2" fmla="*/ 1080419 h 3158945"/>
-                  <a:gd name="connsiteX3" fmla="*/ 2375139 w 2724150"/>
-                  <a:gd name="connsiteY3" fmla="*/ 1250991 h 3158945"/>
-                  <a:gd name="connsiteX4" fmla="*/ 2721093 w 2724150"/>
-                  <a:gd name="connsiteY4" fmla="*/ 1416700 h 3158945"/>
-                  <a:gd name="connsiteX5" fmla="*/ 2724150 w 2724150"/>
-                  <a:gd name="connsiteY5" fmla="*/ 2481263 h 3158945"/>
-                  <a:gd name="connsiteX6" fmla="*/ 1361404 w 2724150"/>
-                  <a:gd name="connsiteY6" fmla="*/ 3158945 h 3158945"/>
-                  <a:gd name="connsiteX7" fmla="*/ 1078084 w 2724150"/>
-                  <a:gd name="connsiteY7" fmla="*/ 3019310 h 3158945"/>
-                  <a:gd name="connsiteX8" fmla="*/ 1080866 w 2724150"/>
-                  <a:gd name="connsiteY8" fmla="*/ 2774079 h 3158945"/>
-                  <a:gd name="connsiteX9" fmla="*/ 833908 w 2724150"/>
-                  <a:gd name="connsiteY9" fmla="*/ 2899616 h 3158945"/>
-                  <a:gd name="connsiteX10" fmla="*/ 539170 w 2724150"/>
-                  <a:gd name="connsiteY10" fmla="*/ 2751410 h 3158945"/>
-                  <a:gd name="connsiteX11" fmla="*/ 537490 w 2724150"/>
-                  <a:gd name="connsiteY11" fmla="*/ 2512749 h 3158945"/>
-                  <a:gd name="connsiteX12" fmla="*/ 292107 w 2724150"/>
-                  <a:gd name="connsiteY12" fmla="*/ 2628718 h 3158945"/>
-                  <a:gd name="connsiteX13" fmla="*/ 0 w 2724150"/>
-                  <a:gd name="connsiteY13" fmla="*/ 2481263 h 3158945"/>
-                  <a:gd name="connsiteX14" fmla="*/ 0 w 2724150"/>
-                  <a:gd name="connsiteY14" fmla="*/ 681038 h 3158945"/>
-                  <a:gd name="connsiteX15" fmla="*/ 1362075 w 2724150"/>
-                  <a:gd name="connsiteY15" fmla="*/ 0 h 3158945"/>
-                  <a:gd name="connsiteX0" fmla="*/ 1362075 w 2724150"/>
-                  <a:gd name="connsiteY0" fmla="*/ 0 h 3153578"/>
-                  <a:gd name="connsiteX1" fmla="*/ 2724150 w 2724150"/>
-                  <a:gd name="connsiteY1" fmla="*/ 681038 h 3153578"/>
-                  <a:gd name="connsiteX2" fmla="*/ 2722044 w 2724150"/>
-                  <a:gd name="connsiteY2" fmla="*/ 1080419 h 3153578"/>
-                  <a:gd name="connsiteX3" fmla="*/ 2375139 w 2724150"/>
-                  <a:gd name="connsiteY3" fmla="*/ 1250991 h 3153578"/>
-                  <a:gd name="connsiteX4" fmla="*/ 2721093 w 2724150"/>
-                  <a:gd name="connsiteY4" fmla="*/ 1416700 h 3153578"/>
-                  <a:gd name="connsiteX5" fmla="*/ 2724150 w 2724150"/>
-                  <a:gd name="connsiteY5" fmla="*/ 2481263 h 3153578"/>
-                  <a:gd name="connsiteX6" fmla="*/ 1363417 w 2724150"/>
-                  <a:gd name="connsiteY6" fmla="*/ 3153578 h 3153578"/>
-                  <a:gd name="connsiteX7" fmla="*/ 1078084 w 2724150"/>
-                  <a:gd name="connsiteY7" fmla="*/ 3019310 h 3153578"/>
-                  <a:gd name="connsiteX8" fmla="*/ 1080866 w 2724150"/>
-                  <a:gd name="connsiteY8" fmla="*/ 2774079 h 3153578"/>
-                  <a:gd name="connsiteX9" fmla="*/ 833908 w 2724150"/>
-                  <a:gd name="connsiteY9" fmla="*/ 2899616 h 3153578"/>
-                  <a:gd name="connsiteX10" fmla="*/ 539170 w 2724150"/>
-                  <a:gd name="connsiteY10" fmla="*/ 2751410 h 3153578"/>
-                  <a:gd name="connsiteX11" fmla="*/ 537490 w 2724150"/>
-                  <a:gd name="connsiteY11" fmla="*/ 2512749 h 3153578"/>
-                  <a:gd name="connsiteX12" fmla="*/ 292107 w 2724150"/>
-                  <a:gd name="connsiteY12" fmla="*/ 2628718 h 3153578"/>
-                  <a:gd name="connsiteX13" fmla="*/ 0 w 2724150"/>
-                  <a:gd name="connsiteY13" fmla="*/ 2481263 h 3153578"/>
-                  <a:gd name="connsiteX14" fmla="*/ 0 w 2724150"/>
-                  <a:gd name="connsiteY14" fmla="*/ 681038 h 3153578"/>
-                  <a:gd name="connsiteX15" fmla="*/ 1362075 w 2724150"/>
-                  <a:gd name="connsiteY15" fmla="*/ 0 h 3153578"/>
-                </a:gdLst>
-                <a:ahLst/>
-                <a:cxnLst>
-                  <a:cxn ang="0">
-                    <a:pos x="connsiteX0" y="connsiteY0"/>
-                  </a:cxn>
-                  <a:cxn ang="0">
-                    <a:pos x="connsiteX1" y="connsiteY1"/>
-                  </a:cxn>
-                  <a:cxn ang="0">
-                    <a:pos x="connsiteX2" y="connsiteY2"/>
-                  </a:cxn>
-                  <a:cxn ang="0">
-                    <a:pos x="connsiteX3" y="connsiteY3"/>
-                  </a:cxn>
-                  <a:cxn ang="0">
-                    <a:pos x="connsiteX4" y="connsiteY4"/>
-                  </a:cxn>
-                  <a:cxn ang="0">
-                    <a:pos x="connsiteX5" y="connsiteY5"/>
-                  </a:cxn>
-                  <a:cxn ang="0">
-                    <a:pos x="connsiteX6" y="connsiteY6"/>
-                  </a:cxn>
-                  <a:cxn ang="0">
-                    <a:pos x="connsiteX7" y="connsiteY7"/>
-                  </a:cxn>
-                  <a:cxn ang="0">
-                    <a:pos x="connsiteX8" y="connsiteY8"/>
-                  </a:cxn>
-                  <a:cxn ang="0">
-                    <a:pos x="connsiteX9" y="connsiteY9"/>
-                  </a:cxn>
-                  <a:cxn ang="0">
-                    <a:pos x="connsiteX10" y="connsiteY10"/>
-                  </a:cxn>
-                  <a:cxn ang="0">
-                    <a:pos x="connsiteX11" y="connsiteY11"/>
-                  </a:cxn>
-                  <a:cxn ang="0">
-                    <a:pos x="connsiteX12" y="connsiteY12"/>
-                  </a:cxn>
-                  <a:cxn ang="0">
-                    <a:pos x="connsiteX13" y="connsiteY13"/>
-                  </a:cxn>
-                  <a:cxn ang="0">
-                    <a:pos x="connsiteX14" y="connsiteY14"/>
-                  </a:cxn>
-                  <a:cxn ang="0">
-                    <a:pos x="connsiteX15" y="connsiteY15"/>
-                  </a:cxn>
-                </a:cxnLst>
-                <a:rect l="l" t="t" r="r" b="b"/>
-                <a:pathLst>
-                  <a:path w="2724150" h="3153578">
-                    <a:moveTo>
-                      <a:pt x="1362075" y="0"/>
-                    </a:moveTo>
-                    <a:lnTo>
-                      <a:pt x="2724150" y="681038"/>
-                    </a:lnTo>
-                    <a:lnTo>
-                      <a:pt x="2722044" y="1080419"/>
-                    </a:lnTo>
-                    <a:lnTo>
-                      <a:pt x="2375139" y="1250991"/>
-                    </a:lnTo>
-                    <a:lnTo>
-                      <a:pt x="2721093" y="1416700"/>
-                    </a:lnTo>
-                    <a:lnTo>
-                      <a:pt x="2724150" y="2481263"/>
-                    </a:lnTo>
-                    <a:lnTo>
-                      <a:pt x="1363417" y="3153578"/>
-                    </a:lnTo>
-                    <a:lnTo>
-                      <a:pt x="1078084" y="3019310"/>
-                    </a:lnTo>
-                    <a:cubicBezTo>
-                      <a:pt x="1079011" y="2937566"/>
-                      <a:pt x="1079939" y="2855823"/>
-                      <a:pt x="1080866" y="2774079"/>
-                    </a:cubicBezTo>
-                    <a:lnTo>
-                      <a:pt x="833908" y="2899616"/>
-                    </a:lnTo>
-                    <a:lnTo>
-                      <a:pt x="539170" y="2751410"/>
-                    </a:lnTo>
-                    <a:lnTo>
-                      <a:pt x="537490" y="2512749"/>
-                    </a:lnTo>
-                    <a:lnTo>
-                      <a:pt x="292107" y="2628718"/>
-                    </a:lnTo>
-                    <a:lnTo>
-                      <a:pt x="0" y="2481263"/>
-                    </a:lnTo>
-                    <a:lnTo>
-                      <a:pt x="0" y="681038"/>
-                    </a:lnTo>
-                    <a:lnTo>
-                      <a:pt x="1362075" y="0"/>
-                    </a:lnTo>
-                    <a:close/>
-                  </a:path>
-                </a:pathLst>
-              </a:custGeom>
-              <a:solidFill>
-                <a:schemeClr val="bg1"/>
-              </a:solidFill>
-              <a:ln w="9525" cap="flat">
-                <a:noFill/>
-                <a:prstDash val="solid"/>
-                <a:miter/>
-              </a:ln>
-            </p:spPr>
-            <p:txBody>
-              <a:bodyPr rtlCol="0" anchor="ctr"/>
-              <a:lstStyle/>
-              <a:p>
-                <a:endParaRPr lang="en-US" dirty="0"/>
-              </a:p>
-            </p:txBody>
-          </p:sp>
-          <p:grpSp>
-            <p:nvGrpSpPr>
-              <p:cNvPr id="19" name="Group 18">
-                <a:extLst>
-                  <a:ext uri="{FF2B5EF4-FFF2-40B4-BE49-F238E27FC236}">
-                    <a16:creationId xmlns:a16="http://schemas.microsoft.com/office/drawing/2014/main" id="{BFA1E395-B284-4151-9463-C933EAE84A90}"/>
-                  </a:ext>
-                </a:extLst>
-              </p:cNvPr>
-              <p:cNvGrpSpPr/>
-              <p:nvPr/>
-            </p:nvGrpSpPr>
-            <p:grpSpPr>
-              <a:xfrm>
-                <a:off x="3194615" y="2310820"/>
-                <a:ext cx="2724150" cy="681038"/>
-                <a:chOff x="3194615" y="2310820"/>
-                <a:chExt cx="2724150" cy="681038"/>
-              </a:xfrm>
-            </p:grpSpPr>
-            <p:cxnSp>
-              <p:nvCxnSpPr>
-                <p:cNvPr id="20" name="Straight Connector 19">
-                  <a:extLst>
-                    <a:ext uri="{FF2B5EF4-FFF2-40B4-BE49-F238E27FC236}">
-                      <a16:creationId xmlns:a16="http://schemas.microsoft.com/office/drawing/2014/main" id="{4A54075D-CE93-4139-9F4F-D56B68EE29F2}"/>
-                    </a:ext>
-                  </a:extLst>
-                </p:cNvPr>
-                <p:cNvCxnSpPr>
-                  <a:cxnSpLocks/>
-                </p:cNvCxnSpPr>
-                <p:nvPr/>
-              </p:nvCxnSpPr>
-              <p:spPr>
-                <a:xfrm>
-                  <a:off x="3194615" y="2310820"/>
-                  <a:ext cx="1362075" cy="681038"/>
-                </a:xfrm>
-                <a:prstGeom prst="line">
-                  <a:avLst/>
-                </a:prstGeom>
-                <a:ln>
-                  <a:solidFill>
-                    <a:schemeClr val="bg1">
-                      <a:lumMod val="75000"/>
-                    </a:schemeClr>
-                  </a:solidFill>
-                </a:ln>
-              </p:spPr>
-              <p:style>
-                <a:lnRef idx="1">
-                  <a:schemeClr val="accent1"/>
-                </a:lnRef>
-                <a:fillRef idx="0">
-                  <a:schemeClr val="accent1"/>
-                </a:fillRef>
-                <a:effectRef idx="0">
-                  <a:schemeClr val="accent1"/>
-                </a:effectRef>
-                <a:fontRef idx="minor">
-                  <a:schemeClr val="tx1"/>
-                </a:fontRef>
-              </p:style>
-            </p:cxnSp>
-            <p:cxnSp>
-              <p:nvCxnSpPr>
-                <p:cNvPr id="21" name="Straight Connector 20">
-                  <a:extLst>
-                    <a:ext uri="{FF2B5EF4-FFF2-40B4-BE49-F238E27FC236}">
-                      <a16:creationId xmlns:a16="http://schemas.microsoft.com/office/drawing/2014/main" id="{0B224D7A-6122-4B55-AD75-2B4E799B897A}"/>
-                    </a:ext>
-                  </a:extLst>
-                </p:cNvPr>
-                <p:cNvCxnSpPr>
-                  <a:cxnSpLocks/>
-                </p:cNvCxnSpPr>
-                <p:nvPr/>
-              </p:nvCxnSpPr>
-              <p:spPr>
-                <a:xfrm flipV="1">
-                  <a:off x="4556690" y="2310820"/>
-                  <a:ext cx="1362075" cy="681038"/>
-                </a:xfrm>
-                <a:prstGeom prst="line">
-                  <a:avLst/>
-                </a:prstGeom>
-                <a:ln>
-                  <a:solidFill>
-                    <a:schemeClr val="bg1">
-                      <a:lumMod val="75000"/>
-                    </a:schemeClr>
-                  </a:solidFill>
-                </a:ln>
-              </p:spPr>
-              <p:style>
-                <a:lnRef idx="1">
-                  <a:schemeClr val="accent1"/>
-                </a:lnRef>
-                <a:fillRef idx="0">
-                  <a:schemeClr val="accent1"/>
-                </a:fillRef>
-                <a:effectRef idx="0">
-                  <a:schemeClr val="accent1"/>
-                </a:effectRef>
-                <a:fontRef idx="minor">
-                  <a:schemeClr val="tx1"/>
-                </a:fontRef>
-              </p:style>
-            </p:cxnSp>
-          </p:grpSp>
-        </p:grpSp>
+            <a:custGeom>
+              <a:avLst/>
+              <a:gdLst>
+                <a:gd name="connsiteX0" fmla="*/ 1362075 w 2724150"/>
+                <a:gd name="connsiteY0" fmla="*/ 0 h 3162300"/>
+                <a:gd name="connsiteX1" fmla="*/ 2724150 w 2724150"/>
+                <a:gd name="connsiteY1" fmla="*/ 681038 h 3162300"/>
+                <a:gd name="connsiteX2" fmla="*/ 2724150 w 2724150"/>
+                <a:gd name="connsiteY2" fmla="*/ 2481263 h 3162300"/>
+                <a:gd name="connsiteX3" fmla="*/ 1362075 w 2724150"/>
+                <a:gd name="connsiteY3" fmla="*/ 3162300 h 3162300"/>
+                <a:gd name="connsiteX4" fmla="*/ 0 w 2724150"/>
+                <a:gd name="connsiteY4" fmla="*/ 2481263 h 3162300"/>
+                <a:gd name="connsiteX5" fmla="*/ 0 w 2724150"/>
+                <a:gd name="connsiteY5" fmla="*/ 681038 h 3162300"/>
+                <a:gd name="connsiteX0" fmla="*/ 1362075 w 2724150"/>
+                <a:gd name="connsiteY0" fmla="*/ 0 h 3162300"/>
+                <a:gd name="connsiteX1" fmla="*/ 2724150 w 2724150"/>
+                <a:gd name="connsiteY1" fmla="*/ 681038 h 3162300"/>
+                <a:gd name="connsiteX2" fmla="*/ 2724000 w 2724150"/>
+                <a:gd name="connsiteY2" fmla="*/ 1082375 h 3162300"/>
+                <a:gd name="connsiteX3" fmla="*/ 2724150 w 2724150"/>
+                <a:gd name="connsiteY3" fmla="*/ 2481263 h 3162300"/>
+                <a:gd name="connsiteX4" fmla="*/ 1362075 w 2724150"/>
+                <a:gd name="connsiteY4" fmla="*/ 3162300 h 3162300"/>
+                <a:gd name="connsiteX5" fmla="*/ 0 w 2724150"/>
+                <a:gd name="connsiteY5" fmla="*/ 2481263 h 3162300"/>
+                <a:gd name="connsiteX6" fmla="*/ 0 w 2724150"/>
+                <a:gd name="connsiteY6" fmla="*/ 681038 h 3162300"/>
+                <a:gd name="connsiteX7" fmla="*/ 1362075 w 2724150"/>
+                <a:gd name="connsiteY7" fmla="*/ 0 h 3162300"/>
+                <a:gd name="connsiteX0" fmla="*/ 1362075 w 2724150"/>
+                <a:gd name="connsiteY0" fmla="*/ 0 h 3162300"/>
+                <a:gd name="connsiteX1" fmla="*/ 2724150 w 2724150"/>
+                <a:gd name="connsiteY1" fmla="*/ 681038 h 3162300"/>
+                <a:gd name="connsiteX2" fmla="*/ 2724000 w 2724150"/>
+                <a:gd name="connsiteY2" fmla="*/ 1082375 h 3162300"/>
+                <a:gd name="connsiteX3" fmla="*/ 2721093 w 2724150"/>
+                <a:gd name="connsiteY3" fmla="*/ 1416700 h 3162300"/>
+                <a:gd name="connsiteX4" fmla="*/ 2724150 w 2724150"/>
+                <a:gd name="connsiteY4" fmla="*/ 2481263 h 3162300"/>
+                <a:gd name="connsiteX5" fmla="*/ 1362075 w 2724150"/>
+                <a:gd name="connsiteY5" fmla="*/ 3162300 h 3162300"/>
+                <a:gd name="connsiteX6" fmla="*/ 0 w 2724150"/>
+                <a:gd name="connsiteY6" fmla="*/ 2481263 h 3162300"/>
+                <a:gd name="connsiteX7" fmla="*/ 0 w 2724150"/>
+                <a:gd name="connsiteY7" fmla="*/ 681038 h 3162300"/>
+                <a:gd name="connsiteX8" fmla="*/ 1362075 w 2724150"/>
+                <a:gd name="connsiteY8" fmla="*/ 0 h 3162300"/>
+                <a:gd name="connsiteX0" fmla="*/ 1362075 w 2724150"/>
+                <a:gd name="connsiteY0" fmla="*/ 0 h 3162300"/>
+                <a:gd name="connsiteX1" fmla="*/ 2724150 w 2724150"/>
+                <a:gd name="connsiteY1" fmla="*/ 681038 h 3162300"/>
+                <a:gd name="connsiteX2" fmla="*/ 2724000 w 2724150"/>
+                <a:gd name="connsiteY2" fmla="*/ 1082375 h 3162300"/>
+                <a:gd name="connsiteX3" fmla="*/ 2724000 w 2724150"/>
+                <a:gd name="connsiteY3" fmla="*/ 1227733 h 3162300"/>
+                <a:gd name="connsiteX4" fmla="*/ 2721093 w 2724150"/>
+                <a:gd name="connsiteY4" fmla="*/ 1416700 h 3162300"/>
+                <a:gd name="connsiteX5" fmla="*/ 2724150 w 2724150"/>
+                <a:gd name="connsiteY5" fmla="*/ 2481263 h 3162300"/>
+                <a:gd name="connsiteX6" fmla="*/ 1362075 w 2724150"/>
+                <a:gd name="connsiteY6" fmla="*/ 3162300 h 3162300"/>
+                <a:gd name="connsiteX7" fmla="*/ 0 w 2724150"/>
+                <a:gd name="connsiteY7" fmla="*/ 2481263 h 3162300"/>
+                <a:gd name="connsiteX8" fmla="*/ 0 w 2724150"/>
+                <a:gd name="connsiteY8" fmla="*/ 681038 h 3162300"/>
+                <a:gd name="connsiteX9" fmla="*/ 1362075 w 2724150"/>
+                <a:gd name="connsiteY9" fmla="*/ 0 h 3162300"/>
+                <a:gd name="connsiteX0" fmla="*/ 1362075 w 2724150"/>
+                <a:gd name="connsiteY0" fmla="*/ 0 h 3162300"/>
+                <a:gd name="connsiteX1" fmla="*/ 2724150 w 2724150"/>
+                <a:gd name="connsiteY1" fmla="*/ 681038 h 3162300"/>
+                <a:gd name="connsiteX2" fmla="*/ 2724000 w 2724150"/>
+                <a:gd name="connsiteY2" fmla="*/ 1082375 h 3162300"/>
+                <a:gd name="connsiteX3" fmla="*/ 2375139 w 2724150"/>
+                <a:gd name="connsiteY3" fmla="*/ 1250991 h 3162300"/>
+                <a:gd name="connsiteX4" fmla="*/ 2721093 w 2724150"/>
+                <a:gd name="connsiteY4" fmla="*/ 1416700 h 3162300"/>
+                <a:gd name="connsiteX5" fmla="*/ 2724150 w 2724150"/>
+                <a:gd name="connsiteY5" fmla="*/ 2481263 h 3162300"/>
+                <a:gd name="connsiteX6" fmla="*/ 1362075 w 2724150"/>
+                <a:gd name="connsiteY6" fmla="*/ 3162300 h 3162300"/>
+                <a:gd name="connsiteX7" fmla="*/ 0 w 2724150"/>
+                <a:gd name="connsiteY7" fmla="*/ 2481263 h 3162300"/>
+                <a:gd name="connsiteX8" fmla="*/ 0 w 2724150"/>
+                <a:gd name="connsiteY8" fmla="*/ 681038 h 3162300"/>
+                <a:gd name="connsiteX9" fmla="*/ 1362075 w 2724150"/>
+                <a:gd name="connsiteY9" fmla="*/ 0 h 3162300"/>
+                <a:gd name="connsiteX0" fmla="*/ 1362075 w 2724150"/>
+                <a:gd name="connsiteY0" fmla="*/ 0 h 3162300"/>
+                <a:gd name="connsiteX1" fmla="*/ 2724150 w 2724150"/>
+                <a:gd name="connsiteY1" fmla="*/ 681038 h 3162300"/>
+                <a:gd name="connsiteX2" fmla="*/ 2724000 w 2724150"/>
+                <a:gd name="connsiteY2" fmla="*/ 1082375 h 3162300"/>
+                <a:gd name="connsiteX3" fmla="*/ 2375139 w 2724150"/>
+                <a:gd name="connsiteY3" fmla="*/ 1250991 h 3162300"/>
+                <a:gd name="connsiteX4" fmla="*/ 2721093 w 2724150"/>
+                <a:gd name="connsiteY4" fmla="*/ 1416700 h 3162300"/>
+                <a:gd name="connsiteX5" fmla="*/ 2724150 w 2724150"/>
+                <a:gd name="connsiteY5" fmla="*/ 2481263 h 3162300"/>
+                <a:gd name="connsiteX6" fmla="*/ 1362075 w 2724150"/>
+                <a:gd name="connsiteY6" fmla="*/ 3162300 h 3162300"/>
+                <a:gd name="connsiteX7" fmla="*/ 292107 w 2724150"/>
+                <a:gd name="connsiteY7" fmla="*/ 2628718 h 3162300"/>
+                <a:gd name="connsiteX8" fmla="*/ 0 w 2724150"/>
+                <a:gd name="connsiteY8" fmla="*/ 2481263 h 3162300"/>
+                <a:gd name="connsiteX9" fmla="*/ 0 w 2724150"/>
+                <a:gd name="connsiteY9" fmla="*/ 681038 h 3162300"/>
+                <a:gd name="connsiteX10" fmla="*/ 1362075 w 2724150"/>
+                <a:gd name="connsiteY10" fmla="*/ 0 h 3162300"/>
+                <a:gd name="connsiteX0" fmla="*/ 1362075 w 2724150"/>
+                <a:gd name="connsiteY0" fmla="*/ 0 h 3162300"/>
+                <a:gd name="connsiteX1" fmla="*/ 2724150 w 2724150"/>
+                <a:gd name="connsiteY1" fmla="*/ 681038 h 3162300"/>
+                <a:gd name="connsiteX2" fmla="*/ 2724000 w 2724150"/>
+                <a:gd name="connsiteY2" fmla="*/ 1082375 h 3162300"/>
+                <a:gd name="connsiteX3" fmla="*/ 2375139 w 2724150"/>
+                <a:gd name="connsiteY3" fmla="*/ 1250991 h 3162300"/>
+                <a:gd name="connsiteX4" fmla="*/ 2721093 w 2724150"/>
+                <a:gd name="connsiteY4" fmla="*/ 1416700 h 3162300"/>
+                <a:gd name="connsiteX5" fmla="*/ 2724150 w 2724150"/>
+                <a:gd name="connsiteY5" fmla="*/ 2481263 h 3162300"/>
+                <a:gd name="connsiteX6" fmla="*/ 1362075 w 2724150"/>
+                <a:gd name="connsiteY6" fmla="*/ 3162300 h 3162300"/>
+                <a:gd name="connsiteX7" fmla="*/ 539170 w 2724150"/>
+                <a:gd name="connsiteY7" fmla="*/ 2751410 h 3162300"/>
+                <a:gd name="connsiteX8" fmla="*/ 292107 w 2724150"/>
+                <a:gd name="connsiteY8" fmla="*/ 2628718 h 3162300"/>
+                <a:gd name="connsiteX9" fmla="*/ 0 w 2724150"/>
+                <a:gd name="connsiteY9" fmla="*/ 2481263 h 3162300"/>
+                <a:gd name="connsiteX10" fmla="*/ 0 w 2724150"/>
+                <a:gd name="connsiteY10" fmla="*/ 681038 h 3162300"/>
+                <a:gd name="connsiteX11" fmla="*/ 1362075 w 2724150"/>
+                <a:gd name="connsiteY11" fmla="*/ 0 h 3162300"/>
+                <a:gd name="connsiteX0" fmla="*/ 1362075 w 2724150"/>
+                <a:gd name="connsiteY0" fmla="*/ 0 h 3162300"/>
+                <a:gd name="connsiteX1" fmla="*/ 2724150 w 2724150"/>
+                <a:gd name="connsiteY1" fmla="*/ 681038 h 3162300"/>
+                <a:gd name="connsiteX2" fmla="*/ 2724000 w 2724150"/>
+                <a:gd name="connsiteY2" fmla="*/ 1082375 h 3162300"/>
+                <a:gd name="connsiteX3" fmla="*/ 2375139 w 2724150"/>
+                <a:gd name="connsiteY3" fmla="*/ 1250991 h 3162300"/>
+                <a:gd name="connsiteX4" fmla="*/ 2721093 w 2724150"/>
+                <a:gd name="connsiteY4" fmla="*/ 1416700 h 3162300"/>
+                <a:gd name="connsiteX5" fmla="*/ 2724150 w 2724150"/>
+                <a:gd name="connsiteY5" fmla="*/ 2481263 h 3162300"/>
+                <a:gd name="connsiteX6" fmla="*/ 1362075 w 2724150"/>
+                <a:gd name="connsiteY6" fmla="*/ 3162300 h 3162300"/>
+                <a:gd name="connsiteX7" fmla="*/ 539170 w 2724150"/>
+                <a:gd name="connsiteY7" fmla="*/ 2751410 h 3162300"/>
+                <a:gd name="connsiteX8" fmla="*/ 392949 w 2724150"/>
+                <a:gd name="connsiteY8" fmla="*/ 2679139 h 3162300"/>
+                <a:gd name="connsiteX9" fmla="*/ 292107 w 2724150"/>
+                <a:gd name="connsiteY9" fmla="*/ 2628718 h 3162300"/>
+                <a:gd name="connsiteX10" fmla="*/ 0 w 2724150"/>
+                <a:gd name="connsiteY10" fmla="*/ 2481263 h 3162300"/>
+                <a:gd name="connsiteX11" fmla="*/ 0 w 2724150"/>
+                <a:gd name="connsiteY11" fmla="*/ 681038 h 3162300"/>
+                <a:gd name="connsiteX12" fmla="*/ 1362075 w 2724150"/>
+                <a:gd name="connsiteY12" fmla="*/ 0 h 3162300"/>
+                <a:gd name="connsiteX0" fmla="*/ 1362075 w 2724150"/>
+                <a:gd name="connsiteY0" fmla="*/ 0 h 3162300"/>
+                <a:gd name="connsiteX1" fmla="*/ 2724150 w 2724150"/>
+                <a:gd name="connsiteY1" fmla="*/ 681038 h 3162300"/>
+                <a:gd name="connsiteX2" fmla="*/ 2724000 w 2724150"/>
+                <a:gd name="connsiteY2" fmla="*/ 1082375 h 3162300"/>
+                <a:gd name="connsiteX3" fmla="*/ 2375139 w 2724150"/>
+                <a:gd name="connsiteY3" fmla="*/ 1250991 h 3162300"/>
+                <a:gd name="connsiteX4" fmla="*/ 2721093 w 2724150"/>
+                <a:gd name="connsiteY4" fmla="*/ 1416700 h 3162300"/>
+                <a:gd name="connsiteX5" fmla="*/ 2724150 w 2724150"/>
+                <a:gd name="connsiteY5" fmla="*/ 2481263 h 3162300"/>
+                <a:gd name="connsiteX6" fmla="*/ 1362075 w 2724150"/>
+                <a:gd name="connsiteY6" fmla="*/ 3162300 h 3162300"/>
+                <a:gd name="connsiteX7" fmla="*/ 539170 w 2724150"/>
+                <a:gd name="connsiteY7" fmla="*/ 2751410 h 3162300"/>
+                <a:gd name="connsiteX8" fmla="*/ 537490 w 2724150"/>
+                <a:gd name="connsiteY8" fmla="*/ 2512749 h 3162300"/>
+                <a:gd name="connsiteX9" fmla="*/ 292107 w 2724150"/>
+                <a:gd name="connsiteY9" fmla="*/ 2628718 h 3162300"/>
+                <a:gd name="connsiteX10" fmla="*/ 0 w 2724150"/>
+                <a:gd name="connsiteY10" fmla="*/ 2481263 h 3162300"/>
+                <a:gd name="connsiteX11" fmla="*/ 0 w 2724150"/>
+                <a:gd name="connsiteY11" fmla="*/ 681038 h 3162300"/>
+                <a:gd name="connsiteX12" fmla="*/ 1362075 w 2724150"/>
+                <a:gd name="connsiteY12" fmla="*/ 0 h 3162300"/>
+                <a:gd name="connsiteX0" fmla="*/ 1362075 w 2724150"/>
+                <a:gd name="connsiteY0" fmla="*/ 0 h 3162300"/>
+                <a:gd name="connsiteX1" fmla="*/ 2724150 w 2724150"/>
+                <a:gd name="connsiteY1" fmla="*/ 681038 h 3162300"/>
+                <a:gd name="connsiteX2" fmla="*/ 2724000 w 2724150"/>
+                <a:gd name="connsiteY2" fmla="*/ 1082375 h 3162300"/>
+                <a:gd name="connsiteX3" fmla="*/ 2375139 w 2724150"/>
+                <a:gd name="connsiteY3" fmla="*/ 1250991 h 3162300"/>
+                <a:gd name="connsiteX4" fmla="*/ 2721093 w 2724150"/>
+                <a:gd name="connsiteY4" fmla="*/ 1416700 h 3162300"/>
+                <a:gd name="connsiteX5" fmla="*/ 2724150 w 2724150"/>
+                <a:gd name="connsiteY5" fmla="*/ 2481263 h 3162300"/>
+                <a:gd name="connsiteX6" fmla="*/ 1362075 w 2724150"/>
+                <a:gd name="connsiteY6" fmla="*/ 3162300 h 3162300"/>
+                <a:gd name="connsiteX7" fmla="*/ 833908 w 2724150"/>
+                <a:gd name="connsiteY7" fmla="*/ 2899616 h 3162300"/>
+                <a:gd name="connsiteX8" fmla="*/ 539170 w 2724150"/>
+                <a:gd name="connsiteY8" fmla="*/ 2751410 h 3162300"/>
+                <a:gd name="connsiteX9" fmla="*/ 537490 w 2724150"/>
+                <a:gd name="connsiteY9" fmla="*/ 2512749 h 3162300"/>
+                <a:gd name="connsiteX10" fmla="*/ 292107 w 2724150"/>
+                <a:gd name="connsiteY10" fmla="*/ 2628718 h 3162300"/>
+                <a:gd name="connsiteX11" fmla="*/ 0 w 2724150"/>
+                <a:gd name="connsiteY11" fmla="*/ 2481263 h 3162300"/>
+                <a:gd name="connsiteX12" fmla="*/ 0 w 2724150"/>
+                <a:gd name="connsiteY12" fmla="*/ 681038 h 3162300"/>
+                <a:gd name="connsiteX13" fmla="*/ 1362075 w 2724150"/>
+                <a:gd name="connsiteY13" fmla="*/ 0 h 3162300"/>
+                <a:gd name="connsiteX0" fmla="*/ 1362075 w 2724150"/>
+                <a:gd name="connsiteY0" fmla="*/ 0 h 3162300"/>
+                <a:gd name="connsiteX1" fmla="*/ 2724150 w 2724150"/>
+                <a:gd name="connsiteY1" fmla="*/ 681038 h 3162300"/>
+                <a:gd name="connsiteX2" fmla="*/ 2724000 w 2724150"/>
+                <a:gd name="connsiteY2" fmla="*/ 1082375 h 3162300"/>
+                <a:gd name="connsiteX3" fmla="*/ 2375139 w 2724150"/>
+                <a:gd name="connsiteY3" fmla="*/ 1250991 h 3162300"/>
+                <a:gd name="connsiteX4" fmla="*/ 2721093 w 2724150"/>
+                <a:gd name="connsiteY4" fmla="*/ 1416700 h 3162300"/>
+                <a:gd name="connsiteX5" fmla="*/ 2724150 w 2724150"/>
+                <a:gd name="connsiteY5" fmla="*/ 2481263 h 3162300"/>
+                <a:gd name="connsiteX6" fmla="*/ 1362075 w 2724150"/>
+                <a:gd name="connsiteY6" fmla="*/ 3162300 h 3162300"/>
+                <a:gd name="connsiteX7" fmla="*/ 1078084 w 2724150"/>
+                <a:gd name="connsiteY7" fmla="*/ 3019310 h 3162300"/>
+                <a:gd name="connsiteX8" fmla="*/ 833908 w 2724150"/>
+                <a:gd name="connsiteY8" fmla="*/ 2899616 h 3162300"/>
+                <a:gd name="connsiteX9" fmla="*/ 539170 w 2724150"/>
+                <a:gd name="connsiteY9" fmla="*/ 2751410 h 3162300"/>
+                <a:gd name="connsiteX10" fmla="*/ 537490 w 2724150"/>
+                <a:gd name="connsiteY10" fmla="*/ 2512749 h 3162300"/>
+                <a:gd name="connsiteX11" fmla="*/ 292107 w 2724150"/>
+                <a:gd name="connsiteY11" fmla="*/ 2628718 h 3162300"/>
+                <a:gd name="connsiteX12" fmla="*/ 0 w 2724150"/>
+                <a:gd name="connsiteY12" fmla="*/ 2481263 h 3162300"/>
+                <a:gd name="connsiteX13" fmla="*/ 0 w 2724150"/>
+                <a:gd name="connsiteY13" fmla="*/ 681038 h 3162300"/>
+                <a:gd name="connsiteX14" fmla="*/ 1362075 w 2724150"/>
+                <a:gd name="connsiteY14" fmla="*/ 0 h 3162300"/>
+                <a:gd name="connsiteX0" fmla="*/ 1362075 w 2724150"/>
+                <a:gd name="connsiteY0" fmla="*/ 0 h 3162300"/>
+                <a:gd name="connsiteX1" fmla="*/ 2724150 w 2724150"/>
+                <a:gd name="connsiteY1" fmla="*/ 681038 h 3162300"/>
+                <a:gd name="connsiteX2" fmla="*/ 2724000 w 2724150"/>
+                <a:gd name="connsiteY2" fmla="*/ 1082375 h 3162300"/>
+                <a:gd name="connsiteX3" fmla="*/ 2375139 w 2724150"/>
+                <a:gd name="connsiteY3" fmla="*/ 1250991 h 3162300"/>
+                <a:gd name="connsiteX4" fmla="*/ 2721093 w 2724150"/>
+                <a:gd name="connsiteY4" fmla="*/ 1416700 h 3162300"/>
+                <a:gd name="connsiteX5" fmla="*/ 2724150 w 2724150"/>
+                <a:gd name="connsiteY5" fmla="*/ 2481263 h 3162300"/>
+                <a:gd name="connsiteX6" fmla="*/ 1362075 w 2724150"/>
+                <a:gd name="connsiteY6" fmla="*/ 3162300 h 3162300"/>
+                <a:gd name="connsiteX7" fmla="*/ 1078084 w 2724150"/>
+                <a:gd name="connsiteY7" fmla="*/ 3019310 h 3162300"/>
+                <a:gd name="connsiteX8" fmla="*/ 949772 w 2724150"/>
+                <a:gd name="connsiteY8" fmla="*/ 2954197 h 3162300"/>
+                <a:gd name="connsiteX9" fmla="*/ 833908 w 2724150"/>
+                <a:gd name="connsiteY9" fmla="*/ 2899616 h 3162300"/>
+                <a:gd name="connsiteX10" fmla="*/ 539170 w 2724150"/>
+                <a:gd name="connsiteY10" fmla="*/ 2751410 h 3162300"/>
+                <a:gd name="connsiteX11" fmla="*/ 537490 w 2724150"/>
+                <a:gd name="connsiteY11" fmla="*/ 2512749 h 3162300"/>
+                <a:gd name="connsiteX12" fmla="*/ 292107 w 2724150"/>
+                <a:gd name="connsiteY12" fmla="*/ 2628718 h 3162300"/>
+                <a:gd name="connsiteX13" fmla="*/ 0 w 2724150"/>
+                <a:gd name="connsiteY13" fmla="*/ 2481263 h 3162300"/>
+                <a:gd name="connsiteX14" fmla="*/ 0 w 2724150"/>
+                <a:gd name="connsiteY14" fmla="*/ 681038 h 3162300"/>
+                <a:gd name="connsiteX15" fmla="*/ 1362075 w 2724150"/>
+                <a:gd name="connsiteY15" fmla="*/ 0 h 3162300"/>
+                <a:gd name="connsiteX0" fmla="*/ 1362075 w 2724150"/>
+                <a:gd name="connsiteY0" fmla="*/ 0 h 3162300"/>
+                <a:gd name="connsiteX1" fmla="*/ 2724150 w 2724150"/>
+                <a:gd name="connsiteY1" fmla="*/ 681038 h 3162300"/>
+                <a:gd name="connsiteX2" fmla="*/ 2724000 w 2724150"/>
+                <a:gd name="connsiteY2" fmla="*/ 1082375 h 3162300"/>
+                <a:gd name="connsiteX3" fmla="*/ 2375139 w 2724150"/>
+                <a:gd name="connsiteY3" fmla="*/ 1250991 h 3162300"/>
+                <a:gd name="connsiteX4" fmla="*/ 2721093 w 2724150"/>
+                <a:gd name="connsiteY4" fmla="*/ 1416700 h 3162300"/>
+                <a:gd name="connsiteX5" fmla="*/ 2724150 w 2724150"/>
+                <a:gd name="connsiteY5" fmla="*/ 2481263 h 3162300"/>
+                <a:gd name="connsiteX6" fmla="*/ 1362075 w 2724150"/>
+                <a:gd name="connsiteY6" fmla="*/ 3162300 h 3162300"/>
+                <a:gd name="connsiteX7" fmla="*/ 1078084 w 2724150"/>
+                <a:gd name="connsiteY7" fmla="*/ 3019310 h 3162300"/>
+                <a:gd name="connsiteX8" fmla="*/ 1076170 w 2724150"/>
+                <a:gd name="connsiteY8" fmla="*/ 2776092 h 3162300"/>
+                <a:gd name="connsiteX9" fmla="*/ 833908 w 2724150"/>
+                <a:gd name="connsiteY9" fmla="*/ 2899616 h 3162300"/>
+                <a:gd name="connsiteX10" fmla="*/ 539170 w 2724150"/>
+                <a:gd name="connsiteY10" fmla="*/ 2751410 h 3162300"/>
+                <a:gd name="connsiteX11" fmla="*/ 537490 w 2724150"/>
+                <a:gd name="connsiteY11" fmla="*/ 2512749 h 3162300"/>
+                <a:gd name="connsiteX12" fmla="*/ 292107 w 2724150"/>
+                <a:gd name="connsiteY12" fmla="*/ 2628718 h 3162300"/>
+                <a:gd name="connsiteX13" fmla="*/ 0 w 2724150"/>
+                <a:gd name="connsiteY13" fmla="*/ 2481263 h 3162300"/>
+                <a:gd name="connsiteX14" fmla="*/ 0 w 2724150"/>
+                <a:gd name="connsiteY14" fmla="*/ 681038 h 3162300"/>
+                <a:gd name="connsiteX15" fmla="*/ 1362075 w 2724150"/>
+                <a:gd name="connsiteY15" fmla="*/ 0 h 3162300"/>
+                <a:gd name="connsiteX0" fmla="*/ 1362075 w 2724150"/>
+                <a:gd name="connsiteY0" fmla="*/ 0 h 3162300"/>
+                <a:gd name="connsiteX1" fmla="*/ 2724150 w 2724150"/>
+                <a:gd name="connsiteY1" fmla="*/ 681038 h 3162300"/>
+                <a:gd name="connsiteX2" fmla="*/ 2722044 w 2724150"/>
+                <a:gd name="connsiteY2" fmla="*/ 1080419 h 3162300"/>
+                <a:gd name="connsiteX3" fmla="*/ 2375139 w 2724150"/>
+                <a:gd name="connsiteY3" fmla="*/ 1250991 h 3162300"/>
+                <a:gd name="connsiteX4" fmla="*/ 2721093 w 2724150"/>
+                <a:gd name="connsiteY4" fmla="*/ 1416700 h 3162300"/>
+                <a:gd name="connsiteX5" fmla="*/ 2724150 w 2724150"/>
+                <a:gd name="connsiteY5" fmla="*/ 2481263 h 3162300"/>
+                <a:gd name="connsiteX6" fmla="*/ 1362075 w 2724150"/>
+                <a:gd name="connsiteY6" fmla="*/ 3162300 h 3162300"/>
+                <a:gd name="connsiteX7" fmla="*/ 1078084 w 2724150"/>
+                <a:gd name="connsiteY7" fmla="*/ 3019310 h 3162300"/>
+                <a:gd name="connsiteX8" fmla="*/ 1076170 w 2724150"/>
+                <a:gd name="connsiteY8" fmla="*/ 2776092 h 3162300"/>
+                <a:gd name="connsiteX9" fmla="*/ 833908 w 2724150"/>
+                <a:gd name="connsiteY9" fmla="*/ 2899616 h 3162300"/>
+                <a:gd name="connsiteX10" fmla="*/ 539170 w 2724150"/>
+                <a:gd name="connsiteY10" fmla="*/ 2751410 h 3162300"/>
+                <a:gd name="connsiteX11" fmla="*/ 537490 w 2724150"/>
+                <a:gd name="connsiteY11" fmla="*/ 2512749 h 3162300"/>
+                <a:gd name="connsiteX12" fmla="*/ 292107 w 2724150"/>
+                <a:gd name="connsiteY12" fmla="*/ 2628718 h 3162300"/>
+                <a:gd name="connsiteX13" fmla="*/ 0 w 2724150"/>
+                <a:gd name="connsiteY13" fmla="*/ 2481263 h 3162300"/>
+                <a:gd name="connsiteX14" fmla="*/ 0 w 2724150"/>
+                <a:gd name="connsiteY14" fmla="*/ 681038 h 3162300"/>
+                <a:gd name="connsiteX15" fmla="*/ 1362075 w 2724150"/>
+                <a:gd name="connsiteY15" fmla="*/ 0 h 3162300"/>
+                <a:gd name="connsiteX0" fmla="*/ 1362075 w 2724150"/>
+                <a:gd name="connsiteY0" fmla="*/ 0 h 3162300"/>
+                <a:gd name="connsiteX1" fmla="*/ 2724150 w 2724150"/>
+                <a:gd name="connsiteY1" fmla="*/ 681038 h 3162300"/>
+                <a:gd name="connsiteX2" fmla="*/ 2722044 w 2724150"/>
+                <a:gd name="connsiteY2" fmla="*/ 1080419 h 3162300"/>
+                <a:gd name="connsiteX3" fmla="*/ 2375139 w 2724150"/>
+                <a:gd name="connsiteY3" fmla="*/ 1250991 h 3162300"/>
+                <a:gd name="connsiteX4" fmla="*/ 2721093 w 2724150"/>
+                <a:gd name="connsiteY4" fmla="*/ 1416700 h 3162300"/>
+                <a:gd name="connsiteX5" fmla="*/ 2724150 w 2724150"/>
+                <a:gd name="connsiteY5" fmla="*/ 2481263 h 3162300"/>
+                <a:gd name="connsiteX6" fmla="*/ 1362075 w 2724150"/>
+                <a:gd name="connsiteY6" fmla="*/ 3162300 h 3162300"/>
+                <a:gd name="connsiteX7" fmla="*/ 1078084 w 2724150"/>
+                <a:gd name="connsiteY7" fmla="*/ 3019310 h 3162300"/>
+                <a:gd name="connsiteX8" fmla="*/ 1080866 w 2724150"/>
+                <a:gd name="connsiteY8" fmla="*/ 2774079 h 3162300"/>
+                <a:gd name="connsiteX9" fmla="*/ 833908 w 2724150"/>
+                <a:gd name="connsiteY9" fmla="*/ 2899616 h 3162300"/>
+                <a:gd name="connsiteX10" fmla="*/ 539170 w 2724150"/>
+                <a:gd name="connsiteY10" fmla="*/ 2751410 h 3162300"/>
+                <a:gd name="connsiteX11" fmla="*/ 537490 w 2724150"/>
+                <a:gd name="connsiteY11" fmla="*/ 2512749 h 3162300"/>
+                <a:gd name="connsiteX12" fmla="*/ 292107 w 2724150"/>
+                <a:gd name="connsiteY12" fmla="*/ 2628718 h 3162300"/>
+                <a:gd name="connsiteX13" fmla="*/ 0 w 2724150"/>
+                <a:gd name="connsiteY13" fmla="*/ 2481263 h 3162300"/>
+                <a:gd name="connsiteX14" fmla="*/ 0 w 2724150"/>
+                <a:gd name="connsiteY14" fmla="*/ 681038 h 3162300"/>
+                <a:gd name="connsiteX15" fmla="*/ 1362075 w 2724150"/>
+                <a:gd name="connsiteY15" fmla="*/ 0 h 3162300"/>
+                <a:gd name="connsiteX0" fmla="*/ 1362075 w 2724150"/>
+                <a:gd name="connsiteY0" fmla="*/ 0 h 3158945"/>
+                <a:gd name="connsiteX1" fmla="*/ 2724150 w 2724150"/>
+                <a:gd name="connsiteY1" fmla="*/ 681038 h 3158945"/>
+                <a:gd name="connsiteX2" fmla="*/ 2722044 w 2724150"/>
+                <a:gd name="connsiteY2" fmla="*/ 1080419 h 3158945"/>
+                <a:gd name="connsiteX3" fmla="*/ 2375139 w 2724150"/>
+                <a:gd name="connsiteY3" fmla="*/ 1250991 h 3158945"/>
+                <a:gd name="connsiteX4" fmla="*/ 2721093 w 2724150"/>
+                <a:gd name="connsiteY4" fmla="*/ 1416700 h 3158945"/>
+                <a:gd name="connsiteX5" fmla="*/ 2724150 w 2724150"/>
+                <a:gd name="connsiteY5" fmla="*/ 2481263 h 3158945"/>
+                <a:gd name="connsiteX6" fmla="*/ 1361404 w 2724150"/>
+                <a:gd name="connsiteY6" fmla="*/ 3158945 h 3158945"/>
+                <a:gd name="connsiteX7" fmla="*/ 1078084 w 2724150"/>
+                <a:gd name="connsiteY7" fmla="*/ 3019310 h 3158945"/>
+                <a:gd name="connsiteX8" fmla="*/ 1080866 w 2724150"/>
+                <a:gd name="connsiteY8" fmla="*/ 2774079 h 3158945"/>
+                <a:gd name="connsiteX9" fmla="*/ 833908 w 2724150"/>
+                <a:gd name="connsiteY9" fmla="*/ 2899616 h 3158945"/>
+                <a:gd name="connsiteX10" fmla="*/ 539170 w 2724150"/>
+                <a:gd name="connsiteY10" fmla="*/ 2751410 h 3158945"/>
+                <a:gd name="connsiteX11" fmla="*/ 537490 w 2724150"/>
+                <a:gd name="connsiteY11" fmla="*/ 2512749 h 3158945"/>
+                <a:gd name="connsiteX12" fmla="*/ 292107 w 2724150"/>
+                <a:gd name="connsiteY12" fmla="*/ 2628718 h 3158945"/>
+                <a:gd name="connsiteX13" fmla="*/ 0 w 2724150"/>
+                <a:gd name="connsiteY13" fmla="*/ 2481263 h 3158945"/>
+                <a:gd name="connsiteX14" fmla="*/ 0 w 2724150"/>
+                <a:gd name="connsiteY14" fmla="*/ 681038 h 3158945"/>
+                <a:gd name="connsiteX15" fmla="*/ 1362075 w 2724150"/>
+                <a:gd name="connsiteY15" fmla="*/ 0 h 3158945"/>
+                <a:gd name="connsiteX0" fmla="*/ 1362075 w 2724150"/>
+                <a:gd name="connsiteY0" fmla="*/ 0 h 3153578"/>
+                <a:gd name="connsiteX1" fmla="*/ 2724150 w 2724150"/>
+                <a:gd name="connsiteY1" fmla="*/ 681038 h 3153578"/>
+                <a:gd name="connsiteX2" fmla="*/ 2722044 w 2724150"/>
+                <a:gd name="connsiteY2" fmla="*/ 1080419 h 3153578"/>
+                <a:gd name="connsiteX3" fmla="*/ 2375139 w 2724150"/>
+                <a:gd name="connsiteY3" fmla="*/ 1250991 h 3153578"/>
+                <a:gd name="connsiteX4" fmla="*/ 2721093 w 2724150"/>
+                <a:gd name="connsiteY4" fmla="*/ 1416700 h 3153578"/>
+                <a:gd name="connsiteX5" fmla="*/ 2724150 w 2724150"/>
+                <a:gd name="connsiteY5" fmla="*/ 2481263 h 3153578"/>
+                <a:gd name="connsiteX6" fmla="*/ 1363417 w 2724150"/>
+                <a:gd name="connsiteY6" fmla="*/ 3153578 h 3153578"/>
+                <a:gd name="connsiteX7" fmla="*/ 1078084 w 2724150"/>
+                <a:gd name="connsiteY7" fmla="*/ 3019310 h 3153578"/>
+                <a:gd name="connsiteX8" fmla="*/ 1080866 w 2724150"/>
+                <a:gd name="connsiteY8" fmla="*/ 2774079 h 3153578"/>
+                <a:gd name="connsiteX9" fmla="*/ 833908 w 2724150"/>
+                <a:gd name="connsiteY9" fmla="*/ 2899616 h 3153578"/>
+                <a:gd name="connsiteX10" fmla="*/ 539170 w 2724150"/>
+                <a:gd name="connsiteY10" fmla="*/ 2751410 h 3153578"/>
+                <a:gd name="connsiteX11" fmla="*/ 537490 w 2724150"/>
+                <a:gd name="connsiteY11" fmla="*/ 2512749 h 3153578"/>
+                <a:gd name="connsiteX12" fmla="*/ 292107 w 2724150"/>
+                <a:gd name="connsiteY12" fmla="*/ 2628718 h 3153578"/>
+                <a:gd name="connsiteX13" fmla="*/ 0 w 2724150"/>
+                <a:gd name="connsiteY13" fmla="*/ 2481263 h 3153578"/>
+                <a:gd name="connsiteX14" fmla="*/ 0 w 2724150"/>
+                <a:gd name="connsiteY14" fmla="*/ 681038 h 3153578"/>
+                <a:gd name="connsiteX15" fmla="*/ 1362075 w 2724150"/>
+                <a:gd name="connsiteY15" fmla="*/ 0 h 3153578"/>
+                <a:gd name="connsiteX0" fmla="*/ 1362075 w 2724150"/>
+                <a:gd name="connsiteY0" fmla="*/ 0 h 3153578"/>
+                <a:gd name="connsiteX1" fmla="*/ 2724150 w 2724150"/>
+                <a:gd name="connsiteY1" fmla="*/ 681038 h 3153578"/>
+                <a:gd name="connsiteX2" fmla="*/ 2722044 w 2724150"/>
+                <a:gd name="connsiteY2" fmla="*/ 1080419 h 3153578"/>
+                <a:gd name="connsiteX3" fmla="*/ 2375139 w 2724150"/>
+                <a:gd name="connsiteY3" fmla="*/ 1250991 h 3153578"/>
+                <a:gd name="connsiteX4" fmla="*/ 2721093 w 2724150"/>
+                <a:gd name="connsiteY4" fmla="*/ 1416700 h 3153578"/>
+                <a:gd name="connsiteX5" fmla="*/ 2724150 w 2724150"/>
+                <a:gd name="connsiteY5" fmla="*/ 2481263 h 3153578"/>
+                <a:gd name="connsiteX6" fmla="*/ 1363417 w 2724150"/>
+                <a:gd name="connsiteY6" fmla="*/ 3153578 h 3153578"/>
+                <a:gd name="connsiteX7" fmla="*/ 1078084 w 2724150"/>
+                <a:gd name="connsiteY7" fmla="*/ 3019310 h 3153578"/>
+                <a:gd name="connsiteX8" fmla="*/ 1080866 w 2724150"/>
+                <a:gd name="connsiteY8" fmla="*/ 2774079 h 3153578"/>
+                <a:gd name="connsiteX9" fmla="*/ 833908 w 2724150"/>
+                <a:gd name="connsiteY9" fmla="*/ 2899616 h 3153578"/>
+                <a:gd name="connsiteX10" fmla="*/ 543365 w 2724150"/>
+                <a:gd name="connsiteY10" fmla="*/ 2751410 h 3153578"/>
+                <a:gd name="connsiteX11" fmla="*/ 537490 w 2724150"/>
+                <a:gd name="connsiteY11" fmla="*/ 2512749 h 3153578"/>
+                <a:gd name="connsiteX12" fmla="*/ 292107 w 2724150"/>
+                <a:gd name="connsiteY12" fmla="*/ 2628718 h 3153578"/>
+                <a:gd name="connsiteX13" fmla="*/ 0 w 2724150"/>
+                <a:gd name="connsiteY13" fmla="*/ 2481263 h 3153578"/>
+                <a:gd name="connsiteX14" fmla="*/ 0 w 2724150"/>
+                <a:gd name="connsiteY14" fmla="*/ 681038 h 3153578"/>
+                <a:gd name="connsiteX15" fmla="*/ 1362075 w 2724150"/>
+                <a:gd name="connsiteY15" fmla="*/ 0 h 3153578"/>
+                <a:gd name="connsiteX0" fmla="*/ 1362075 w 2724150"/>
+                <a:gd name="connsiteY0" fmla="*/ 0 h 3153578"/>
+                <a:gd name="connsiteX1" fmla="*/ 2724150 w 2724150"/>
+                <a:gd name="connsiteY1" fmla="*/ 681038 h 3153578"/>
+                <a:gd name="connsiteX2" fmla="*/ 2722044 w 2724150"/>
+                <a:gd name="connsiteY2" fmla="*/ 1080419 h 3153578"/>
+                <a:gd name="connsiteX3" fmla="*/ 2375139 w 2724150"/>
+                <a:gd name="connsiteY3" fmla="*/ 1250991 h 3153578"/>
+                <a:gd name="connsiteX4" fmla="*/ 2721093 w 2724150"/>
+                <a:gd name="connsiteY4" fmla="*/ 1416700 h 3153578"/>
+                <a:gd name="connsiteX5" fmla="*/ 2724150 w 2724150"/>
+                <a:gd name="connsiteY5" fmla="*/ 2481263 h 3153578"/>
+                <a:gd name="connsiteX6" fmla="*/ 1363417 w 2724150"/>
+                <a:gd name="connsiteY6" fmla="*/ 3153578 h 3153578"/>
+                <a:gd name="connsiteX7" fmla="*/ 1082280 w 2724150"/>
+                <a:gd name="connsiteY7" fmla="*/ 3019310 h 3153578"/>
+                <a:gd name="connsiteX8" fmla="*/ 1080866 w 2724150"/>
+                <a:gd name="connsiteY8" fmla="*/ 2774079 h 3153578"/>
+                <a:gd name="connsiteX9" fmla="*/ 833908 w 2724150"/>
+                <a:gd name="connsiteY9" fmla="*/ 2899616 h 3153578"/>
+                <a:gd name="connsiteX10" fmla="*/ 543365 w 2724150"/>
+                <a:gd name="connsiteY10" fmla="*/ 2751410 h 3153578"/>
+                <a:gd name="connsiteX11" fmla="*/ 537490 w 2724150"/>
+                <a:gd name="connsiteY11" fmla="*/ 2512749 h 3153578"/>
+                <a:gd name="connsiteX12" fmla="*/ 292107 w 2724150"/>
+                <a:gd name="connsiteY12" fmla="*/ 2628718 h 3153578"/>
+                <a:gd name="connsiteX13" fmla="*/ 0 w 2724150"/>
+                <a:gd name="connsiteY13" fmla="*/ 2481263 h 3153578"/>
+                <a:gd name="connsiteX14" fmla="*/ 0 w 2724150"/>
+                <a:gd name="connsiteY14" fmla="*/ 681038 h 3153578"/>
+                <a:gd name="connsiteX15" fmla="*/ 1362075 w 2724150"/>
+                <a:gd name="connsiteY15" fmla="*/ 0 h 3153578"/>
+              </a:gdLst>
+              <a:ahLst/>
+              <a:cxnLst>
+                <a:cxn ang="0">
+                  <a:pos x="connsiteX0" y="connsiteY0"/>
+                </a:cxn>
+                <a:cxn ang="0">
+                  <a:pos x="connsiteX1" y="connsiteY1"/>
+                </a:cxn>
+                <a:cxn ang="0">
+                  <a:pos x="connsiteX2" y="connsiteY2"/>
+                </a:cxn>
+                <a:cxn ang="0">
+                  <a:pos x="connsiteX3" y="connsiteY3"/>
+                </a:cxn>
+                <a:cxn ang="0">
+                  <a:pos x="connsiteX4" y="connsiteY4"/>
+                </a:cxn>
+                <a:cxn ang="0">
+                  <a:pos x="connsiteX5" y="connsiteY5"/>
+                </a:cxn>
+                <a:cxn ang="0">
+                  <a:pos x="connsiteX6" y="connsiteY6"/>
+                </a:cxn>
+                <a:cxn ang="0">
+                  <a:pos x="connsiteX7" y="connsiteY7"/>
+                </a:cxn>
+                <a:cxn ang="0">
+                  <a:pos x="connsiteX8" y="connsiteY8"/>
+                </a:cxn>
+                <a:cxn ang="0">
+                  <a:pos x="connsiteX9" y="connsiteY9"/>
+                </a:cxn>
+                <a:cxn ang="0">
+                  <a:pos x="connsiteX10" y="connsiteY10"/>
+                </a:cxn>
+                <a:cxn ang="0">
+                  <a:pos x="connsiteX11" y="connsiteY11"/>
+                </a:cxn>
+                <a:cxn ang="0">
+                  <a:pos x="connsiteX12" y="connsiteY12"/>
+                </a:cxn>
+                <a:cxn ang="0">
+                  <a:pos x="connsiteX13" y="connsiteY13"/>
+                </a:cxn>
+                <a:cxn ang="0">
+                  <a:pos x="connsiteX14" y="connsiteY14"/>
+                </a:cxn>
+                <a:cxn ang="0">
+                  <a:pos x="connsiteX15" y="connsiteY15"/>
+                </a:cxn>
+              </a:cxnLst>
+              <a:rect l="l" t="t" r="r" b="b"/>
+              <a:pathLst>
+                <a:path w="2724150" h="3153578">
+                  <a:moveTo>
+                    <a:pt x="1362075" y="0"/>
+                  </a:moveTo>
+                  <a:lnTo>
+                    <a:pt x="2724150" y="681038"/>
+                  </a:lnTo>
+                  <a:lnTo>
+                    <a:pt x="2722044" y="1080419"/>
+                  </a:lnTo>
+                  <a:lnTo>
+                    <a:pt x="2375139" y="1250991"/>
+                  </a:lnTo>
+                  <a:lnTo>
+                    <a:pt x="2721093" y="1416700"/>
+                  </a:lnTo>
+                  <a:lnTo>
+                    <a:pt x="2724150" y="2481263"/>
+                  </a:lnTo>
+                  <a:lnTo>
+                    <a:pt x="1363417" y="3153578"/>
+                  </a:lnTo>
+                  <a:lnTo>
+                    <a:pt x="1082280" y="3019310"/>
+                  </a:lnTo>
+                  <a:cubicBezTo>
+                    <a:pt x="1083207" y="2937566"/>
+                    <a:pt x="1079939" y="2855823"/>
+                    <a:pt x="1080866" y="2774079"/>
+                  </a:cubicBezTo>
+                  <a:lnTo>
+                    <a:pt x="833908" y="2899616"/>
+                  </a:lnTo>
+                  <a:lnTo>
+                    <a:pt x="543365" y="2751410"/>
+                  </a:lnTo>
+                  <a:lnTo>
+                    <a:pt x="537490" y="2512749"/>
+                  </a:lnTo>
+                  <a:lnTo>
+                    <a:pt x="292107" y="2628718"/>
+                  </a:lnTo>
+                  <a:lnTo>
+                    <a:pt x="0" y="2481263"/>
+                  </a:lnTo>
+                  <a:lnTo>
+                    <a:pt x="0" y="681038"/>
+                  </a:lnTo>
+                  <a:lnTo>
+                    <a:pt x="1362075" y="0"/>
+                  </a:lnTo>
+                  <a:close/>
+                </a:path>
+              </a:pathLst>
+            </a:custGeom>
+            <a:solidFill>
+              <a:schemeClr val="bg1">
+                <a:lumMod val="85000"/>
+              </a:schemeClr>
+            </a:solidFill>
+            <a:ln w="9525" cap="flat">
+              <a:noFill/>
+              <a:prstDash val="solid"/>
+              <a:miter/>
+            </a:ln>
+          </p:spPr>
+          <p:txBody>
+            <a:bodyPr rtlCol="0" anchor="ctr"/>
+            <a:lstStyle/>
+            <a:p>
+              <a:endParaRPr lang="en-US" dirty="0"/>
+            </a:p>
+          </p:txBody>
+        </p:sp>
         <p:sp>
           <p:nvSpPr>
             <p:cNvPr id="34" name="Freeform: Shape 33">
@@ -7233,8 +7298,8 @@
           </p:nvSpPr>
           <p:spPr>
             <a:xfrm rot="10800000">
-              <a:off x="6277055" y="1754658"/>
-              <a:ext cx="3295737" cy="2502277"/>
+              <a:off x="6467292" y="2585655"/>
+              <a:ext cx="2148121" cy="1630953"/>
             </a:xfrm>
             <a:custGeom>
               <a:avLst/>
@@ -7406,8 +7471,8 @@
           </p:nvSpPr>
           <p:spPr>
             <a:xfrm rot="10800000">
-              <a:off x="5561131" y="4119316"/>
-              <a:ext cx="3295737" cy="2502277"/>
+              <a:off x="6000662" y="4126910"/>
+              <a:ext cx="2148121" cy="1630953"/>
             </a:xfrm>
             <a:custGeom>
               <a:avLst/>
@@ -7567,6 +7632,137 @@
         </p:sp>
         <p:sp>
           <p:nvSpPr>
+            <p:cNvPr id="3" name="Freeform: Shape 2">
+              <a:extLst>
+                <a:ext uri="{FF2B5EF4-FFF2-40B4-BE49-F238E27FC236}">
+                  <a16:creationId xmlns:a16="http://schemas.microsoft.com/office/drawing/2014/main" id="{B549D90B-40C4-4134-AD4B-F55BC5904C25}"/>
+                </a:ext>
+              </a:extLst>
+            </p:cNvPr>
+            <p:cNvSpPr/>
+            <p:nvPr/>
+          </p:nvSpPr>
+          <p:spPr>
+            <a:xfrm>
+              <a:off x="7421218" y="3846443"/>
+              <a:ext cx="771954" cy="831573"/>
+            </a:xfrm>
+            <a:custGeom>
+              <a:avLst/>
+              <a:gdLst>
+                <a:gd name="connsiteX0" fmla="*/ 602974 w 602974"/>
+                <a:gd name="connsiteY0" fmla="*/ 0 h 609600"/>
+                <a:gd name="connsiteX1" fmla="*/ 602974 w 602974"/>
+                <a:gd name="connsiteY1" fmla="*/ 609600 h 609600"/>
+                <a:gd name="connsiteX2" fmla="*/ 0 w 602974"/>
+                <a:gd name="connsiteY2" fmla="*/ 308113 h 609600"/>
+                <a:gd name="connsiteX3" fmla="*/ 602974 w 602974"/>
+                <a:gd name="connsiteY3" fmla="*/ 0 h 609600"/>
+                <a:gd name="connsiteX0" fmla="*/ 602974 w 602974"/>
+                <a:gd name="connsiteY0" fmla="*/ 0 h 609600"/>
+                <a:gd name="connsiteX1" fmla="*/ 602974 w 602974"/>
+                <a:gd name="connsiteY1" fmla="*/ 609600 h 609600"/>
+                <a:gd name="connsiteX2" fmla="*/ 0 w 602974"/>
+                <a:gd name="connsiteY2" fmla="*/ 304905 h 609600"/>
+                <a:gd name="connsiteX3" fmla="*/ 602974 w 602974"/>
+                <a:gd name="connsiteY3" fmla="*/ 0 h 609600"/>
+                <a:gd name="connsiteX0" fmla="*/ 599661 w 602974"/>
+                <a:gd name="connsiteY0" fmla="*/ 0 h 786063"/>
+                <a:gd name="connsiteX1" fmla="*/ 602974 w 602974"/>
+                <a:gd name="connsiteY1" fmla="*/ 786063 h 786063"/>
+                <a:gd name="connsiteX2" fmla="*/ 0 w 602974"/>
+                <a:gd name="connsiteY2" fmla="*/ 481368 h 786063"/>
+                <a:gd name="connsiteX3" fmla="*/ 599661 w 602974"/>
+                <a:gd name="connsiteY3" fmla="*/ 0 h 786063"/>
+                <a:gd name="connsiteX0" fmla="*/ 712304 w 715617"/>
+                <a:gd name="connsiteY0" fmla="*/ 0 h 786063"/>
+                <a:gd name="connsiteX1" fmla="*/ 715617 w 715617"/>
+                <a:gd name="connsiteY1" fmla="*/ 786063 h 786063"/>
+                <a:gd name="connsiteX2" fmla="*/ 0 w 715617"/>
+                <a:gd name="connsiteY2" fmla="*/ 430032 h 786063"/>
+                <a:gd name="connsiteX3" fmla="*/ 712304 w 715617"/>
+                <a:gd name="connsiteY3" fmla="*/ 0 h 786063"/>
+                <a:gd name="connsiteX0" fmla="*/ 771939 w 771954"/>
+                <a:gd name="connsiteY0" fmla="*/ 0 h 805313"/>
+                <a:gd name="connsiteX1" fmla="*/ 715617 w 771954"/>
+                <a:gd name="connsiteY1" fmla="*/ 805313 h 805313"/>
+                <a:gd name="connsiteX2" fmla="*/ 0 w 771954"/>
+                <a:gd name="connsiteY2" fmla="*/ 449282 h 805313"/>
+                <a:gd name="connsiteX3" fmla="*/ 771939 w 771954"/>
+                <a:gd name="connsiteY3" fmla="*/ 0 h 805313"/>
+              </a:gdLst>
+              <a:ahLst/>
+              <a:cxnLst>
+                <a:cxn ang="0">
+                  <a:pos x="connsiteX0" y="connsiteY0"/>
+                </a:cxn>
+                <a:cxn ang="0">
+                  <a:pos x="connsiteX1" y="connsiteY1"/>
+                </a:cxn>
+                <a:cxn ang="0">
+                  <a:pos x="connsiteX2" y="connsiteY2"/>
+                </a:cxn>
+                <a:cxn ang="0">
+                  <a:pos x="connsiteX3" y="connsiteY3"/>
+                </a:cxn>
+              </a:cxnLst>
+              <a:rect l="l" t="t" r="r" b="b"/>
+              <a:pathLst>
+                <a:path w="771954" h="805313">
+                  <a:moveTo>
+                    <a:pt x="771939" y="0"/>
+                  </a:moveTo>
+                  <a:cubicBezTo>
+                    <a:pt x="773043" y="262021"/>
+                    <a:pt x="714513" y="543292"/>
+                    <a:pt x="715617" y="805313"/>
+                  </a:cubicBezTo>
+                  <a:lnTo>
+                    <a:pt x="0" y="449282"/>
+                  </a:lnTo>
+                  <a:lnTo>
+                    <a:pt x="771939" y="0"/>
+                  </a:lnTo>
+                  <a:close/>
+                </a:path>
+              </a:pathLst>
+            </a:custGeom>
+            <a:solidFill>
+              <a:schemeClr val="bg1">
+                <a:lumMod val="65000"/>
+              </a:schemeClr>
+            </a:solidFill>
+            <a:ln>
+              <a:noFill/>
+            </a:ln>
+          </p:spPr>
+          <p:style>
+            <a:lnRef idx="2">
+              <a:schemeClr val="accent1">
+                <a:shade val="50000"/>
+              </a:schemeClr>
+            </a:lnRef>
+            <a:fillRef idx="1">
+              <a:schemeClr val="accent1"/>
+            </a:fillRef>
+            <a:effectRef idx="0">
+              <a:schemeClr val="accent1"/>
+            </a:effectRef>
+            <a:fontRef idx="minor">
+              <a:schemeClr val="lt1"/>
+            </a:fontRef>
+          </p:style>
+          <p:txBody>
+            <a:bodyPr rtlCol="0" anchor="ctr"/>
+            <a:lstStyle/>
+            <a:p>
+              <a:pPr algn="ctr"/>
+              <a:endParaRPr lang="en-US"/>
+            </a:p>
+          </p:txBody>
+        </p:sp>
+        <p:sp>
+          <p:nvSpPr>
             <p:cNvPr id="16" name="Freeform: Shape 15">
               <a:extLst>
                 <a:ext uri="{FF2B5EF4-FFF2-40B4-BE49-F238E27FC236}">
@@ -7579,8 +7775,8 @@
           </p:nvSpPr>
           <p:spPr>
             <a:xfrm>
-              <a:off x="4632853" y="1231495"/>
-              <a:ext cx="6004801" cy="5613984"/>
+              <a:off x="5395622" y="2244664"/>
+              <a:ext cx="3913855" cy="3659126"/>
             </a:xfrm>
             <a:custGeom>
               <a:avLst/>
@@ -7740,6 +7936,216 @@
         </p:sp>
         <p:sp>
           <p:nvSpPr>
+            <p:cNvPr id="2" name="Freeform: Shape 1">
+              <a:extLst>
+                <a:ext uri="{FF2B5EF4-FFF2-40B4-BE49-F238E27FC236}">
+                  <a16:creationId xmlns:a16="http://schemas.microsoft.com/office/drawing/2014/main" id="{2D47827E-D6EE-49D6-B125-FDDD67064FB4}"/>
+                </a:ext>
+              </a:extLst>
+            </p:cNvPr>
+            <p:cNvSpPr/>
+            <p:nvPr/>
+          </p:nvSpPr>
+          <p:spPr>
+            <a:xfrm>
+              <a:off x="4122150" y="3010758"/>
+              <a:ext cx="658604" cy="2372735"/>
+            </a:xfrm>
+            <a:custGeom>
+              <a:avLst/>
+              <a:gdLst>
+                <a:gd name="connsiteX0" fmla="*/ 0 w 658604"/>
+                <a:gd name="connsiteY0" fmla="*/ 0 h 2372735"/>
+                <a:gd name="connsiteX1" fmla="*/ 0 w 658604"/>
+                <a:gd name="connsiteY1" fmla="*/ 2372735 h 2372735"/>
+                <a:gd name="connsiteX2" fmla="*/ 658604 w 658604"/>
+                <a:gd name="connsiteY2" fmla="*/ 2049314 h 2372735"/>
+                <a:gd name="connsiteX3" fmla="*/ 658604 w 658604"/>
+                <a:gd name="connsiteY3" fmla="*/ 0 h 2372735"/>
+                <a:gd name="connsiteX4" fmla="*/ 0 w 658604"/>
+                <a:gd name="connsiteY4" fmla="*/ 0 h 2372735"/>
+              </a:gdLst>
+              <a:ahLst/>
+              <a:cxnLst>
+                <a:cxn ang="0">
+                  <a:pos x="connsiteX0" y="connsiteY0"/>
+                </a:cxn>
+                <a:cxn ang="0">
+                  <a:pos x="connsiteX1" y="connsiteY1"/>
+                </a:cxn>
+                <a:cxn ang="0">
+                  <a:pos x="connsiteX2" y="connsiteY2"/>
+                </a:cxn>
+                <a:cxn ang="0">
+                  <a:pos x="connsiteX3" y="connsiteY3"/>
+                </a:cxn>
+                <a:cxn ang="0">
+                  <a:pos x="connsiteX4" y="connsiteY4"/>
+                </a:cxn>
+              </a:cxnLst>
+              <a:rect l="l" t="t" r="r" b="b"/>
+              <a:pathLst>
+                <a:path w="658604" h="2372735">
+                  <a:moveTo>
+                    <a:pt x="0" y="0"/>
+                  </a:moveTo>
+                  <a:lnTo>
+                    <a:pt x="0" y="2372735"/>
+                  </a:lnTo>
+                  <a:lnTo>
+                    <a:pt x="658604" y="2049314"/>
+                  </a:lnTo>
+                  <a:lnTo>
+                    <a:pt x="658604" y="0"/>
+                  </a:lnTo>
+                  <a:lnTo>
+                    <a:pt x="0" y="0"/>
+                  </a:lnTo>
+                  <a:close/>
+                </a:path>
+              </a:pathLst>
+            </a:custGeom>
+            <a:solidFill>
+              <a:schemeClr val="bg1">
+                <a:lumMod val="85000"/>
+              </a:schemeClr>
+            </a:solidFill>
+            <a:ln>
+              <a:noFill/>
+            </a:ln>
+          </p:spPr>
+          <p:style>
+            <a:lnRef idx="2">
+              <a:schemeClr val="accent1">
+                <a:shade val="50000"/>
+              </a:schemeClr>
+            </a:lnRef>
+            <a:fillRef idx="1">
+              <a:schemeClr val="accent1"/>
+            </a:fillRef>
+            <a:effectRef idx="0">
+              <a:schemeClr val="accent1"/>
+            </a:effectRef>
+            <a:fontRef idx="minor">
+              <a:schemeClr val="lt1"/>
+            </a:fontRef>
+          </p:style>
+          <p:txBody>
+            <a:bodyPr rtlCol="0" anchor="ctr"/>
+            <a:lstStyle/>
+            <a:p>
+              <a:pPr algn="ctr"/>
+              <a:endParaRPr lang="en-US"/>
+            </a:p>
+          </p:txBody>
+        </p:sp>
+        <p:sp>
+          <p:nvSpPr>
+            <p:cNvPr id="13" name="Freeform: Shape 12">
+              <a:extLst>
+                <a:ext uri="{FF2B5EF4-FFF2-40B4-BE49-F238E27FC236}">
+                  <a16:creationId xmlns:a16="http://schemas.microsoft.com/office/drawing/2014/main" id="{5307FB3C-4DE3-4572-9111-1FCEEC8824B5}"/>
+                </a:ext>
+              </a:extLst>
+            </p:cNvPr>
+            <p:cNvSpPr/>
+            <p:nvPr/>
+          </p:nvSpPr>
+          <p:spPr>
+            <a:xfrm>
+              <a:off x="5125551" y="3502489"/>
+              <a:ext cx="658604" cy="2372735"/>
+            </a:xfrm>
+            <a:custGeom>
+              <a:avLst/>
+              <a:gdLst>
+                <a:gd name="connsiteX0" fmla="*/ 0 w 658604"/>
+                <a:gd name="connsiteY0" fmla="*/ 0 h 2372735"/>
+                <a:gd name="connsiteX1" fmla="*/ 0 w 658604"/>
+                <a:gd name="connsiteY1" fmla="*/ 2372735 h 2372735"/>
+                <a:gd name="connsiteX2" fmla="*/ 658604 w 658604"/>
+                <a:gd name="connsiteY2" fmla="*/ 2049314 h 2372735"/>
+                <a:gd name="connsiteX3" fmla="*/ 658604 w 658604"/>
+                <a:gd name="connsiteY3" fmla="*/ 0 h 2372735"/>
+                <a:gd name="connsiteX4" fmla="*/ 0 w 658604"/>
+                <a:gd name="connsiteY4" fmla="*/ 0 h 2372735"/>
+              </a:gdLst>
+              <a:ahLst/>
+              <a:cxnLst>
+                <a:cxn ang="0">
+                  <a:pos x="connsiteX0" y="connsiteY0"/>
+                </a:cxn>
+                <a:cxn ang="0">
+                  <a:pos x="connsiteX1" y="connsiteY1"/>
+                </a:cxn>
+                <a:cxn ang="0">
+                  <a:pos x="connsiteX2" y="connsiteY2"/>
+                </a:cxn>
+                <a:cxn ang="0">
+                  <a:pos x="connsiteX3" y="connsiteY3"/>
+                </a:cxn>
+                <a:cxn ang="0">
+                  <a:pos x="connsiteX4" y="connsiteY4"/>
+                </a:cxn>
+              </a:cxnLst>
+              <a:rect l="l" t="t" r="r" b="b"/>
+              <a:pathLst>
+                <a:path w="658604" h="2372735">
+                  <a:moveTo>
+                    <a:pt x="0" y="0"/>
+                  </a:moveTo>
+                  <a:lnTo>
+                    <a:pt x="0" y="2372735"/>
+                  </a:lnTo>
+                  <a:lnTo>
+                    <a:pt x="658604" y="2049314"/>
+                  </a:lnTo>
+                  <a:lnTo>
+                    <a:pt x="658604" y="0"/>
+                  </a:lnTo>
+                  <a:lnTo>
+                    <a:pt x="0" y="0"/>
+                  </a:lnTo>
+                  <a:close/>
+                </a:path>
+              </a:pathLst>
+            </a:custGeom>
+            <a:solidFill>
+              <a:schemeClr val="bg1">
+                <a:lumMod val="85000"/>
+              </a:schemeClr>
+            </a:solidFill>
+            <a:ln>
+              <a:noFill/>
+            </a:ln>
+          </p:spPr>
+          <p:style>
+            <a:lnRef idx="2">
+              <a:schemeClr val="accent1">
+                <a:shade val="50000"/>
+              </a:schemeClr>
+            </a:lnRef>
+            <a:fillRef idx="1">
+              <a:schemeClr val="accent1"/>
+            </a:fillRef>
+            <a:effectRef idx="0">
+              <a:schemeClr val="accent1"/>
+            </a:effectRef>
+            <a:fontRef idx="minor">
+              <a:schemeClr val="lt1"/>
+            </a:fontRef>
+          </p:style>
+          <p:txBody>
+            <a:bodyPr rtlCol="0" anchor="ctr"/>
+            <a:lstStyle/>
+            <a:p>
+              <a:pPr algn="ctr"/>
+              <a:endParaRPr lang="en-US"/>
+            </a:p>
+          </p:txBody>
+        </p:sp>
+        <p:sp>
+          <p:nvSpPr>
             <p:cNvPr id="17" name="Freeform: Shape 16">
               <a:extLst>
                 <a:ext uri="{FF2B5EF4-FFF2-40B4-BE49-F238E27FC236}">
@@ -7752,8 +8158,8 @@
           </p:nvSpPr>
           <p:spPr>
             <a:xfrm>
-              <a:off x="777151" y="1212552"/>
-              <a:ext cx="5998221" cy="5624153"/>
+              <a:off x="2882523" y="2232317"/>
+              <a:ext cx="3909566" cy="3665754"/>
             </a:xfrm>
             <a:custGeom>
               <a:avLst/>
@@ -10355,49 +10761,6 @@
           <a:chExt cx="0" cy="0"/>
         </a:xfrm>
       </p:grpSpPr>
-      <p:pic>
-        <p:nvPicPr>
-          <p:cNvPr id="5" name="Picture 4" descr="A picture containing drawing&#10;&#10;Description automatically generated">
-            <a:extLst>
-              <a:ext uri="{FF2B5EF4-FFF2-40B4-BE49-F238E27FC236}">
-                <a16:creationId xmlns:a16="http://schemas.microsoft.com/office/drawing/2014/main" id="{5299EAE4-BF07-45C5-8CE0-91869F90F165}"/>
-              </a:ext>
-            </a:extLst>
-          </p:cNvPr>
-          <p:cNvPicPr>
-            <a:picLocks noChangeAspect="1"/>
-          </p:cNvPicPr>
-          <p:nvPr/>
-        </p:nvPicPr>
-        <p:blipFill>
-          <a:blip r:embed="rId2">
-            <a:extLst>
-              <a:ext uri="{28A0092B-C50C-407E-A947-70E740481C1C}">
-                <a14:useLocalDpi xmlns:a14="http://schemas.microsoft.com/office/drawing/2010/main" val="0"/>
-              </a:ext>
-            </a:extLst>
-          </a:blip>
-          <a:stretch>
-            <a:fillRect/>
-          </a:stretch>
-        </p:blipFill>
-        <p:spPr>
-          <a:xfrm>
-            <a:off x="1101433" y="820349"/>
-            <a:ext cx="4689767" cy="5442491"/>
-          </a:xfrm>
-          <a:prstGeom prst="rect">
-            <a:avLst/>
-          </a:prstGeom>
-          <a:effectLst>
-            <a:outerShdw blurRad="254000" algn="ctr" rotWithShape="0">
-              <a:srgbClr val="181818">
-                <a:alpha val="20000"/>
-              </a:srgbClr>
-            </a:outerShdw>
-          </a:effectLst>
-        </p:spPr>
-      </p:pic>
       <p:grpSp>
         <p:nvGrpSpPr>
           <p:cNvPr id="8" name="Group 7">
@@ -10412,7 +10775,7 @@
         </p:nvGrpSpPr>
         <p:grpSpPr>
           <a:xfrm>
-            <a:off x="6283569" y="820349"/>
+            <a:off x="3211989" y="1006087"/>
             <a:ext cx="5768021" cy="5768021"/>
             <a:chOff x="6822831" y="1371333"/>
             <a:chExt cx="5768021" cy="5768021"/>
@@ -10470,7 +10833,7 @@
         </p:sp>
         <p:pic>
           <p:nvPicPr>
-            <p:cNvPr id="6" name="Picture 5" descr="A picture containing drawing&#10;&#10;Description automatically generated">
+            <p:cNvPr id="6" name="Picture 5">
               <a:extLst>
                 <a:ext uri="{FF2B5EF4-FFF2-40B4-BE49-F238E27FC236}">
                   <a16:creationId xmlns:a16="http://schemas.microsoft.com/office/drawing/2014/main" id="{B2550935-6BA8-4FA4-AC66-5362D34CB83D}"/>
@@ -10490,14 +10853,13 @@
                 </a:ext>
               </a:extLst>
             </a:blip>
-            <a:stretch>
-              <a:fillRect/>
-            </a:stretch>
+            <a:srcRect/>
+            <a:stretch/>
           </p:blipFill>
           <p:spPr>
             <a:xfrm>
-              <a:off x="7291831" y="1452715"/>
-              <a:ext cx="4830020" cy="5605255"/>
+              <a:off x="7291831" y="1455116"/>
+              <a:ext cx="4830020" cy="5600452"/>
             </a:xfrm>
             <a:prstGeom prst="rect">
               <a:avLst/>
@@ -10505,13 +10867,7 @@
             <a:ln>
               <a:noFill/>
             </a:ln>
-            <a:effectLst>
-              <a:outerShdw blurRad="381000" algn="ctr" rotWithShape="0">
-                <a:srgbClr val="181818">
-                  <a:alpha val="30000"/>
-                </a:srgbClr>
-              </a:outerShdw>
-            </a:effectLst>
+            <a:effectLst/>
           </p:spPr>
         </p:pic>
       </p:grpSp>
